--- a/宣道詩/(宣道詩138)全告知耶穌.pptx
+++ b/宣道詩/(宣道詩138)全告知耶穌.pptx
@@ -5,14 +5,23 @@
     <p:sldMasterId id="2147483660" r:id="rId1"/>
   </p:sldMasterIdLst>
   <p:sldIdLst>
-    <p:sldId id="257" r:id="rId2"/>
-    <p:sldId id="258" r:id="rId3"/>
-    <p:sldId id="259" r:id="rId4"/>
-    <p:sldId id="260" r:id="rId5"/>
-    <p:sldId id="261" r:id="rId6"/>
-    <p:sldId id="262" r:id="rId7"/>
-    <p:sldId id="263" r:id="rId8"/>
-    <p:sldId id="264" r:id="rId9"/>
+    <p:sldId id="265" r:id="rId2"/>
+    <p:sldId id="266" r:id="rId3"/>
+    <p:sldId id="267" r:id="rId4"/>
+    <p:sldId id="268" r:id="rId5"/>
+    <p:sldId id="269" r:id="rId6"/>
+    <p:sldId id="270" r:id="rId7"/>
+    <p:sldId id="271" r:id="rId8"/>
+    <p:sldId id="272" r:id="rId9"/>
+    <p:sldId id="273" r:id="rId10"/>
+    <p:sldId id="274" r:id="rId11"/>
+    <p:sldId id="275" r:id="rId12"/>
+    <p:sldId id="276" r:id="rId13"/>
+    <p:sldId id="277" r:id="rId14"/>
+    <p:sldId id="278" r:id="rId15"/>
+    <p:sldId id="279" r:id="rId16"/>
+    <p:sldId id="280" r:id="rId17"/>
+    <p:sldId id="281" r:id="rId18"/>
   </p:sldIdLst>
   <p:sldSz cx="12192000" cy="6858000"/>
   <p:notesSz cx="6858000" cy="9144000"/>
@@ -111,6 +120,11 @@
       </a:defRPr>
     </a:lvl9pPr>
   </p:defaultTextStyle>
+  <p:extLst>
+    <p:ext uri="{EFAFB233-063F-42B5-8137-9DF3F51BA10A}">
+      <p15:sldGuideLst xmlns:p15="http://schemas.microsoft.com/office/powerpoint/2012/main"/>
+    </p:ext>
+  </p:extLst>
 </p:presentation>
 </file>
 
@@ -295,7 +309,7 @@
           <a:p>
             <a:fld id="{3F2C6D9B-8CE1-4066-A051-C4E0F63D835E}" type="datetimeFigureOut">
               <a:rPr lang="vi-VN" smtClean="0"/>
-              <a:t>15/08/2020</a:t>
+              <a:t>03/06/2021</a:t>
             </a:fld>
             <a:endParaRPr lang="vi-VN"/>
           </a:p>
@@ -465,7 +479,7 @@
           <a:p>
             <a:fld id="{3F2C6D9B-8CE1-4066-A051-C4E0F63D835E}" type="datetimeFigureOut">
               <a:rPr lang="vi-VN" smtClean="0"/>
-              <a:t>15/08/2020</a:t>
+              <a:t>03/06/2021</a:t>
             </a:fld>
             <a:endParaRPr lang="vi-VN"/>
           </a:p>
@@ -645,7 +659,7 @@
           <a:p>
             <a:fld id="{3F2C6D9B-8CE1-4066-A051-C4E0F63D835E}" type="datetimeFigureOut">
               <a:rPr lang="vi-VN" smtClean="0"/>
-              <a:t>15/08/2020</a:t>
+              <a:t>03/06/2021</a:t>
             </a:fld>
             <a:endParaRPr lang="vi-VN"/>
           </a:p>
@@ -815,7 +829,7 @@
           <a:p>
             <a:fld id="{3F2C6D9B-8CE1-4066-A051-C4E0F63D835E}" type="datetimeFigureOut">
               <a:rPr lang="vi-VN" smtClean="0"/>
-              <a:t>15/08/2020</a:t>
+              <a:t>03/06/2021</a:t>
             </a:fld>
             <a:endParaRPr lang="vi-VN"/>
           </a:p>
@@ -1061,7 +1075,7 @@
           <a:p>
             <a:fld id="{3F2C6D9B-8CE1-4066-A051-C4E0F63D835E}" type="datetimeFigureOut">
               <a:rPr lang="vi-VN" smtClean="0"/>
-              <a:t>15/08/2020</a:t>
+              <a:t>03/06/2021</a:t>
             </a:fld>
             <a:endParaRPr lang="vi-VN"/>
           </a:p>
@@ -1349,7 +1363,7 @@
           <a:p>
             <a:fld id="{3F2C6D9B-8CE1-4066-A051-C4E0F63D835E}" type="datetimeFigureOut">
               <a:rPr lang="vi-VN" smtClean="0"/>
-              <a:t>15/08/2020</a:t>
+              <a:t>03/06/2021</a:t>
             </a:fld>
             <a:endParaRPr lang="vi-VN"/>
           </a:p>
@@ -1771,7 +1785,7 @@
           <a:p>
             <a:fld id="{3F2C6D9B-8CE1-4066-A051-C4E0F63D835E}" type="datetimeFigureOut">
               <a:rPr lang="vi-VN" smtClean="0"/>
-              <a:t>15/08/2020</a:t>
+              <a:t>03/06/2021</a:t>
             </a:fld>
             <a:endParaRPr lang="vi-VN"/>
           </a:p>
@@ -1889,7 +1903,7 @@
           <a:p>
             <a:fld id="{3F2C6D9B-8CE1-4066-A051-C4E0F63D835E}" type="datetimeFigureOut">
               <a:rPr lang="vi-VN" smtClean="0"/>
-              <a:t>15/08/2020</a:t>
+              <a:t>03/06/2021</a:t>
             </a:fld>
             <a:endParaRPr lang="vi-VN"/>
           </a:p>
@@ -1984,7 +1998,7 @@
           <a:p>
             <a:fld id="{3F2C6D9B-8CE1-4066-A051-C4E0F63D835E}" type="datetimeFigureOut">
               <a:rPr lang="vi-VN" smtClean="0"/>
-              <a:t>15/08/2020</a:t>
+              <a:t>03/06/2021</a:t>
             </a:fld>
             <a:endParaRPr lang="vi-VN"/>
           </a:p>
@@ -2261,7 +2275,7 @@
           <a:p>
             <a:fld id="{3F2C6D9B-8CE1-4066-A051-C4E0F63D835E}" type="datetimeFigureOut">
               <a:rPr lang="vi-VN" smtClean="0"/>
-              <a:t>15/08/2020</a:t>
+              <a:t>03/06/2021</a:t>
             </a:fld>
             <a:endParaRPr lang="vi-VN"/>
           </a:p>
@@ -2518,7 +2532,7 @@
           <a:p>
             <a:fld id="{3F2C6D9B-8CE1-4066-A051-C4E0F63D835E}" type="datetimeFigureOut">
               <a:rPr lang="vi-VN" smtClean="0"/>
-              <a:t>15/08/2020</a:t>
+              <a:t>03/06/2021</a:t>
             </a:fld>
             <a:endParaRPr lang="vi-VN"/>
           </a:p>
@@ -2736,7 +2750,7 @@
           <a:p>
             <a:fld id="{3F2C6D9B-8CE1-4066-A051-C4E0F63D835E}" type="datetimeFigureOut">
               <a:rPr lang="vi-VN" smtClean="0"/>
-              <a:t>15/08/2020</a:t>
+              <a:t>03/06/2021</a:t>
             </a:fld>
             <a:endParaRPr lang="vi-VN"/>
           </a:p>
@@ -3113,7 +3127,7 @@
       </p:grpSpPr>
       <p:sp>
         <p:nvSpPr>
-          <p:cNvPr id="2" name="Title 1"/>
+          <p:cNvPr id="4" name="標題 3"/>
           <p:cNvSpPr>
             <a:spLocks noGrp="1"/>
           </p:cNvSpPr>
@@ -3121,117 +3135,233 @@
             <p:ph type="title"/>
           </p:nvPr>
         </p:nvSpPr>
-        <p:spPr/>
+        <p:spPr>
+          <a:xfrm>
+            <a:off x="0" y="2660915"/>
+            <a:ext cx="12192000" cy="1143000"/>
+          </a:xfrm>
+        </p:spPr>
         <p:txBody>
           <a:bodyPr>
+            <a:noAutofit/>
+          </a:bodyPr>
+          <a:lstStyle/>
+          <a:p>
+            <a:r>
+              <a:rPr lang="zh-CN" altLang="en-US" sz="5333" b="1" u="sng" dirty="0">
+                <a:solidFill>
+                  <a:srgbClr val="660033"/>
+                </a:solidFill>
+                <a:effectLst>
+                  <a:outerShdw blurRad="38100" dist="38100" dir="2700000" algn="tl">
+                    <a:srgbClr val="000000">
+                      <a:alpha val="43137"/>
+                    </a:srgbClr>
+                  </a:outerShdw>
+                </a:effectLst>
+                <a:latin typeface="微軟正黑體" pitchFamily="34" charset="-120"/>
+                <a:ea typeface="微軟正黑體" pitchFamily="34" charset="-120"/>
+              </a:rPr>
+              <a:t>宣道詩 </a:t>
+            </a:r>
+            <a:r>
+              <a:rPr lang="en-US" altLang="zh-CN" sz="5333" b="1" u="sng" dirty="0" smtClean="0">
+                <a:solidFill>
+                  <a:srgbClr val="660033"/>
+                </a:solidFill>
+                <a:effectLst>
+                  <a:outerShdw blurRad="38100" dist="38100" dir="2700000" algn="tl">
+                    <a:srgbClr val="000000">
+                      <a:alpha val="43137"/>
+                    </a:srgbClr>
+                  </a:outerShdw>
+                </a:effectLst>
+                <a:latin typeface="微軟正黑體" pitchFamily="34" charset="-120"/>
+                <a:ea typeface="微軟正黑體" pitchFamily="34" charset="-120"/>
+              </a:rPr>
+              <a:t>138</a:t>
+            </a:r>
+            <a:r>
+              <a:rPr lang="en-US" altLang="zh-CN" sz="7200" b="1" i="1">
+                <a:solidFill>
+                  <a:srgbClr val="660033"/>
+                </a:solidFill>
+                <a:effectLst>
+                  <a:outerShdw blurRad="38100" dist="38100" dir="2700000" algn="tl">
+                    <a:srgbClr val="000000">
+                      <a:alpha val="43137"/>
+                    </a:srgbClr>
+                  </a:outerShdw>
+                </a:effectLst>
+                <a:latin typeface="微軟正黑體" pitchFamily="34" charset="-120"/>
+                <a:ea typeface="微軟正黑體" pitchFamily="34" charset="-120"/>
+              </a:rPr>
+              <a:t/>
+            </a:r>
+            <a:br>
+              <a:rPr lang="en-US" altLang="zh-CN" sz="7200" b="1" i="1">
+                <a:solidFill>
+                  <a:srgbClr val="660033"/>
+                </a:solidFill>
+                <a:effectLst>
+                  <a:outerShdw blurRad="38100" dist="38100" dir="2700000" algn="tl">
+                    <a:srgbClr val="000000">
+                      <a:alpha val="43137"/>
+                    </a:srgbClr>
+                  </a:outerShdw>
+                </a:effectLst>
+                <a:latin typeface="微軟正黑體" pitchFamily="34" charset="-120"/>
+                <a:ea typeface="微軟正黑體" pitchFamily="34" charset="-120"/>
+              </a:rPr>
+            </a:br>
+            <a:r>
+              <a:rPr lang="zh-CN" altLang="en-US" sz="8000" b="1" smtClean="0">
+                <a:solidFill>
+                  <a:srgbClr val="000066"/>
+                </a:solidFill>
+                <a:effectLst>
+                  <a:outerShdw blurRad="38100" dist="38100" dir="2700000" algn="tl">
+                    <a:srgbClr val="000000">
+                      <a:alpha val="43137"/>
+                    </a:srgbClr>
+                  </a:outerShdw>
+                </a:effectLst>
+                <a:latin typeface="微軟正黑體" pitchFamily="34" charset="-120"/>
+                <a:ea typeface="微軟正黑體" pitchFamily="34" charset="-120"/>
+              </a:rPr>
+              <a:t>全告知耶穌</a:t>
+            </a:r>
+            <a:endParaRPr lang="zh-TW" altLang="en-US" sz="8000" b="1" dirty="0">
+              <a:solidFill>
+                <a:srgbClr val="000066"/>
+              </a:solidFill>
+              <a:effectLst>
+                <a:outerShdw blurRad="38100" dist="38100" dir="2700000" algn="tl">
+                  <a:srgbClr val="000000">
+                    <a:alpha val="43137"/>
+                  </a:srgbClr>
+                </a:outerShdw>
+              </a:effectLst>
+              <a:latin typeface="微軟正黑體" pitchFamily="34" charset="-120"/>
+              <a:ea typeface="微軟正黑體" pitchFamily="34" charset="-120"/>
+            </a:endParaRPr>
+          </a:p>
+        </p:txBody>
+      </p:sp>
+    </p:spTree>
+    <p:extLst>
+      <p:ext uri="{BB962C8B-B14F-4D97-AF65-F5344CB8AC3E}">
+        <p14:creationId xmlns:p14="http://schemas.microsoft.com/office/powerpoint/2010/main" val="1552955768"/>
+      </p:ext>
+    </p:extLst>
+  </p:cSld>
+  <p:clrMapOvr>
+    <a:masterClrMapping/>
+  </p:clrMapOvr>
+  <p:timing>
+    <p:tnLst>
+      <p:par>
+        <p:cTn id="1" dur="indefinite" restart="never" nodeType="tmRoot"/>
+      </p:par>
+    </p:tnLst>
+  </p:timing>
+</p:sld>
+</file>
+
+<file path=ppt/slides/slide10.xml><?xml version="1.0" encoding="utf-8"?>
+<p:sld xmlns:a="http://schemas.openxmlformats.org/drawingml/2006/main" xmlns:r="http://schemas.openxmlformats.org/officeDocument/2006/relationships" xmlns:p="http://schemas.openxmlformats.org/presentationml/2006/main">
+  <p:cSld>
+    <p:spTree>
+      <p:nvGrpSpPr>
+        <p:cNvPr id="1" name=""/>
+        <p:cNvGrpSpPr/>
+        <p:nvPr/>
+      </p:nvGrpSpPr>
+      <p:grpSpPr>
+        <a:xfrm>
+          <a:off x="0" y="0"/>
+          <a:ext cx="0" cy="0"/>
+          <a:chOff x="0" y="0"/>
+          <a:chExt cx="0" cy="0"/>
+        </a:xfrm>
+      </p:grpSpPr>
+      <p:sp>
+        <p:nvSpPr>
+          <p:cNvPr id="5" name="內容版面配置區 4"/>
+          <p:cNvSpPr>
+            <a:spLocks noGrp="1"/>
+          </p:cNvSpPr>
+          <p:nvPr>
+            <p:ph idx="1"/>
+          </p:nvPr>
+        </p:nvSpPr>
+        <p:spPr>
+          <a:xfrm>
+            <a:off x="0" y="2084851"/>
+            <a:ext cx="12192000" cy="2404863"/>
+          </a:xfrm>
+        </p:spPr>
+        <p:txBody>
+          <a:bodyPr anchor="ctr">
             <a:normAutofit/>
           </a:bodyPr>
           <a:lstStyle/>
           <a:p>
-            <a:r>
-              <a:rPr lang="zh-CN" altLang="en-US" sz="4800" b="1" dirty="0" smtClean="0">
+            <a:pPr marL="0" indent="0" algn="ctr">
+              <a:buNone/>
+            </a:pPr>
+            <a:r>
+              <a:rPr lang="zh-CN" altLang="en-US" sz="6400" b="1" dirty="0">
+                <a:solidFill>
+                  <a:srgbClr val="000066"/>
+                </a:solidFill>
                 <a:latin typeface="Microsoft JhengHei" panose="020B0604030504040204" pitchFamily="34" charset="-120"/>
                 <a:ea typeface="Microsoft JhengHei" panose="020B0604030504040204" pitchFamily="34" charset="-120"/>
               </a:rPr>
-              <a:t>全告知耶穌</a:t>
-            </a:r>
-            <a:endParaRPr lang="vi-VN" sz="4800" b="1" dirty="0">
+              <a:t>今將我試誘  全告知耶穌</a:t>
+            </a:r>
+            <a:endParaRPr lang="en-US" altLang="zh-CN" sz="6400" b="1" dirty="0">
+              <a:solidFill>
+                <a:srgbClr val="000066"/>
+              </a:solidFill>
+              <a:latin typeface="Microsoft JhengHei" panose="020B0604030504040204" pitchFamily="34" charset="-120"/>
               <a:ea typeface="Microsoft JhengHei" panose="020B0604030504040204" pitchFamily="34" charset="-120"/>
             </a:endParaRPr>
           </a:p>
-        </p:txBody>
-      </p:sp>
-      <p:sp>
-        <p:nvSpPr>
-          <p:cNvPr id="3" name="Content Placeholder 2"/>
-          <p:cNvSpPr>
-            <a:spLocks noGrp="1"/>
-          </p:cNvSpPr>
-          <p:nvPr>
-            <p:ph idx="1"/>
-          </p:nvPr>
-        </p:nvSpPr>
-        <p:spPr/>
-        <p:txBody>
-          <a:bodyPr>
-            <a:normAutofit/>
-          </a:bodyPr>
-          <a:lstStyle/>
           <a:p>
             <a:pPr marL="0" indent="0" algn="ctr">
               <a:buNone/>
             </a:pPr>
             <a:r>
-              <a:rPr lang="zh-CN" altLang="en-US" sz="5400" b="1" dirty="0" smtClean="0">
+              <a:rPr lang="zh-CN" altLang="en-US" sz="6400" b="1" dirty="0">
+                <a:solidFill>
+                  <a:srgbClr val="000066"/>
+                </a:solidFill>
                 <a:latin typeface="Microsoft JhengHei" panose="020B0604030504040204" pitchFamily="34" charset="-120"/>
                 <a:ea typeface="Microsoft JhengHei" panose="020B0604030504040204" pitchFamily="34" charset="-120"/>
               </a:rPr>
-              <a:t>今將我苦況  全告知耶穌</a:t>
-            </a:r>
-            <a:endParaRPr lang="en-US" altLang="zh-CN" sz="5400" b="1" dirty="0" smtClean="0">
+              <a:t>我不能獨自制勝罪慾</a:t>
+            </a:r>
+            <a:endParaRPr lang="en-US" altLang="zh-CN" sz="6400" b="1" dirty="0">
+              <a:solidFill>
+                <a:srgbClr val="000066"/>
+              </a:solidFill>
               <a:latin typeface="Microsoft JhengHei" panose="020B0604030504040204" pitchFamily="34" charset="-120"/>
               <a:ea typeface="Microsoft JhengHei" panose="020B0604030504040204" pitchFamily="34" charset="-120"/>
             </a:endParaRPr>
           </a:p>
-          <a:p>
-            <a:pPr marL="0" indent="0" algn="ctr">
-              <a:buNone/>
-            </a:pPr>
-            <a:r>
-              <a:rPr lang="zh-CN" altLang="en-US" sz="5400" b="1" dirty="0" smtClean="0">
-                <a:latin typeface="Microsoft JhengHei" panose="020B0604030504040204" pitchFamily="34" charset="-120"/>
-                <a:ea typeface="Microsoft JhengHei" panose="020B0604030504040204" pitchFamily="34" charset="-120"/>
-              </a:rPr>
-              <a:t>我不能獨自受此憂慮</a:t>
-            </a:r>
-            <a:endParaRPr lang="en-US" altLang="zh-CN" sz="5400" b="1" dirty="0" smtClean="0">
-              <a:latin typeface="Microsoft JhengHei" panose="020B0604030504040204" pitchFamily="34" charset="-120"/>
-              <a:ea typeface="Microsoft JhengHei" panose="020B0604030504040204" pitchFamily="34" charset="-120"/>
-            </a:endParaRPr>
-          </a:p>
-          <a:p>
-            <a:pPr marL="0" indent="0" algn="ctr">
-              <a:buNone/>
-            </a:pPr>
-            <a:r>
-              <a:rPr lang="zh-CN" altLang="en-US" sz="5400" b="1" dirty="0" smtClean="0">
-                <a:latin typeface="Microsoft JhengHei" panose="020B0604030504040204" pitchFamily="34" charset="-120"/>
-                <a:ea typeface="Microsoft JhengHei" panose="020B0604030504040204" pitchFamily="34" charset="-120"/>
-              </a:rPr>
-              <a:t>我於患難中  惟主能體恤</a:t>
-            </a:r>
-            <a:endParaRPr lang="en-US" altLang="zh-CN" sz="5400" b="1" dirty="0" smtClean="0">
-              <a:latin typeface="Microsoft JhengHei" panose="020B0604030504040204" pitchFamily="34" charset="-120"/>
-              <a:ea typeface="Microsoft JhengHei" panose="020B0604030504040204" pitchFamily="34" charset="-120"/>
-            </a:endParaRPr>
-          </a:p>
-          <a:p>
-            <a:pPr marL="0" indent="0" algn="ctr">
-              <a:buNone/>
-            </a:pPr>
-            <a:r>
-              <a:rPr lang="zh-CN" altLang="en-US" sz="5400" b="1" dirty="0" smtClean="0">
-                <a:latin typeface="Microsoft JhengHei" panose="020B0604030504040204" pitchFamily="34" charset="-120"/>
-                <a:ea typeface="Microsoft JhengHei" panose="020B0604030504040204" pitchFamily="34" charset="-120"/>
-              </a:rPr>
-              <a:t>拭去我眼淚善於安撫</a:t>
-            </a:r>
-            <a:endParaRPr lang="vi-VN" sz="5400" b="1" dirty="0">
-              <a:ea typeface="Microsoft JhengHei" panose="020B0604030504040204" pitchFamily="34" charset="-120"/>
-            </a:endParaRPr>
-          </a:p>
-        </p:txBody>
-      </p:sp>
-      <p:sp>
-        <p:nvSpPr>
-          <p:cNvPr id="5" name="TextBox 4"/>
+        </p:txBody>
+      </p:sp>
+      <p:sp>
+        <p:nvSpPr>
+          <p:cNvPr id="3" name="TextBox 2"/>
           <p:cNvSpPr txBox="1"/>
           <p:nvPr/>
         </p:nvSpPr>
         <p:spPr>
           <a:xfrm>
-            <a:off x="882316" y="1600201"/>
-            <a:ext cx="850232" cy="1107996"/>
+            <a:off x="0" y="5071885"/>
+            <a:ext cx="12192000" cy="923330"/>
           </a:xfrm>
           <a:prstGeom prst="rect">
             <a:avLst/>
@@ -3244,24 +3374,868 @@
           </a:bodyPr>
           <a:lstStyle/>
           <a:p>
-            <a:r>
-              <a:rPr lang="en-US" sz="6600" b="1" dirty="0" smtClean="0"/>
-              <a:t>1.</a:t>
-            </a:r>
-            <a:endParaRPr lang="vi-VN" sz="6600" b="1" dirty="0"/>
+            <a:pPr algn="ctr"/>
+            <a:r>
+              <a:rPr lang="en-US" sz="5400" b="1" dirty="0" smtClean="0">
+                <a:solidFill>
+                  <a:srgbClr val="000066"/>
+                </a:solidFill>
+              </a:rPr>
+              <a:t>( 3 )</a:t>
+            </a:r>
+            <a:endParaRPr lang="vi-VN" sz="5400" b="1" dirty="0">
+              <a:solidFill>
+                <a:srgbClr val="000066"/>
+              </a:solidFill>
+            </a:endParaRPr>
           </a:p>
         </p:txBody>
       </p:sp>
     </p:spTree>
     <p:extLst>
       <p:ext uri="{BB962C8B-B14F-4D97-AF65-F5344CB8AC3E}">
-        <p14:creationId xmlns:p14="http://schemas.microsoft.com/office/powerpoint/2010/main" val="2950751792"/>
+        <p14:creationId xmlns:p14="http://schemas.microsoft.com/office/powerpoint/2010/main" val="3772975328"/>
       </p:ext>
     </p:extLst>
   </p:cSld>
   <p:clrMapOvr>
     <a:masterClrMapping/>
   </p:clrMapOvr>
+  <p:timing>
+    <p:tnLst>
+      <p:par>
+        <p:cTn id="1" dur="indefinite" restart="never" nodeType="tmRoot"/>
+      </p:par>
+    </p:tnLst>
+  </p:timing>
+</p:sld>
+</file>
+
+<file path=ppt/slides/slide11.xml><?xml version="1.0" encoding="utf-8"?>
+<p:sld xmlns:a="http://schemas.openxmlformats.org/drawingml/2006/main" xmlns:r="http://schemas.openxmlformats.org/officeDocument/2006/relationships" xmlns:p="http://schemas.openxmlformats.org/presentationml/2006/main">
+  <p:cSld>
+    <p:spTree>
+      <p:nvGrpSpPr>
+        <p:cNvPr id="1" name=""/>
+        <p:cNvGrpSpPr/>
+        <p:nvPr/>
+      </p:nvGrpSpPr>
+      <p:grpSpPr>
+        <a:xfrm>
+          <a:off x="0" y="0"/>
+          <a:ext cx="0" cy="0"/>
+          <a:chOff x="0" y="0"/>
+          <a:chExt cx="0" cy="0"/>
+        </a:xfrm>
+      </p:grpSpPr>
+      <p:sp>
+        <p:nvSpPr>
+          <p:cNvPr id="5" name="內容版面配置區 4"/>
+          <p:cNvSpPr>
+            <a:spLocks noGrp="1"/>
+          </p:cNvSpPr>
+          <p:nvPr>
+            <p:ph idx="1"/>
+          </p:nvPr>
+        </p:nvSpPr>
+        <p:spPr>
+          <a:xfrm>
+            <a:off x="0" y="2084851"/>
+            <a:ext cx="12192000" cy="2404863"/>
+          </a:xfrm>
+        </p:spPr>
+        <p:txBody>
+          <a:bodyPr anchor="ctr">
+            <a:normAutofit/>
+          </a:bodyPr>
+          <a:lstStyle/>
+          <a:p>
+            <a:pPr marL="0" indent="0" algn="ctr">
+              <a:buNone/>
+            </a:pPr>
+            <a:r>
+              <a:rPr lang="zh-CN" altLang="en-US" sz="6400" b="1" dirty="0">
+                <a:solidFill>
+                  <a:srgbClr val="000066"/>
+                </a:solidFill>
+                <a:latin typeface="Microsoft JhengHei" panose="020B0604030504040204" pitchFamily="34" charset="-120"/>
+                <a:ea typeface="Microsoft JhengHei" panose="020B0604030504040204" pitchFamily="34" charset="-120"/>
+              </a:rPr>
+              <a:t>主會受試探  與我們無殊</a:t>
+            </a:r>
+            <a:endParaRPr lang="en-US" altLang="zh-CN" sz="6400" b="1" dirty="0">
+              <a:solidFill>
+                <a:srgbClr val="000066"/>
+              </a:solidFill>
+              <a:latin typeface="Microsoft JhengHei" panose="020B0604030504040204" pitchFamily="34" charset="-120"/>
+              <a:ea typeface="Microsoft JhengHei" panose="020B0604030504040204" pitchFamily="34" charset="-120"/>
+            </a:endParaRPr>
+          </a:p>
+          <a:p>
+            <a:pPr marL="0" indent="0" algn="ctr">
+              <a:buNone/>
+            </a:pPr>
+            <a:r>
+              <a:rPr lang="zh-CN" altLang="en-US" sz="6400" b="1" dirty="0">
+                <a:solidFill>
+                  <a:srgbClr val="000066"/>
+                </a:solidFill>
+                <a:latin typeface="Microsoft JhengHei" panose="020B0604030504040204" pitchFamily="34" charset="-120"/>
+                <a:ea typeface="Microsoft JhengHei" panose="020B0604030504040204" pitchFamily="34" charset="-120"/>
+              </a:rPr>
+              <a:t>樂助我膂力得勝有餘</a:t>
+            </a:r>
+            <a:endParaRPr lang="vi-VN" sz="6400" b="1" dirty="0">
+              <a:solidFill>
+                <a:srgbClr val="000066"/>
+              </a:solidFill>
+              <a:latin typeface="Microsoft JhengHei" panose="020B0604030504040204" pitchFamily="34" charset="-120"/>
+              <a:ea typeface="Microsoft JhengHei" panose="020B0604030504040204" pitchFamily="34" charset="-120"/>
+            </a:endParaRPr>
+          </a:p>
+        </p:txBody>
+      </p:sp>
+      <p:sp>
+        <p:nvSpPr>
+          <p:cNvPr id="3" name="TextBox 2"/>
+          <p:cNvSpPr txBox="1"/>
+          <p:nvPr/>
+        </p:nvSpPr>
+        <p:spPr>
+          <a:xfrm>
+            <a:off x="0" y="5071885"/>
+            <a:ext cx="12192000" cy="923330"/>
+          </a:xfrm>
+          <a:prstGeom prst="rect">
+            <a:avLst/>
+          </a:prstGeom>
+          <a:noFill/>
+        </p:spPr>
+        <p:txBody>
+          <a:bodyPr wrap="square" rtlCol="0">
+            <a:spAutoFit/>
+          </a:bodyPr>
+          <a:lstStyle/>
+          <a:p>
+            <a:pPr algn="ctr"/>
+            <a:r>
+              <a:rPr lang="en-US" sz="5400" b="1" dirty="0" smtClean="0">
+                <a:solidFill>
+                  <a:srgbClr val="000066"/>
+                </a:solidFill>
+              </a:rPr>
+              <a:t>( 3 )</a:t>
+            </a:r>
+            <a:endParaRPr lang="vi-VN" sz="5400" b="1" dirty="0">
+              <a:solidFill>
+                <a:srgbClr val="000066"/>
+              </a:solidFill>
+            </a:endParaRPr>
+          </a:p>
+        </p:txBody>
+      </p:sp>
+    </p:spTree>
+    <p:extLst>
+      <p:ext uri="{BB962C8B-B14F-4D97-AF65-F5344CB8AC3E}">
+        <p14:creationId xmlns:p14="http://schemas.microsoft.com/office/powerpoint/2010/main" val="1966579155"/>
+      </p:ext>
+    </p:extLst>
+  </p:cSld>
+  <p:clrMapOvr>
+    <a:masterClrMapping/>
+  </p:clrMapOvr>
+  <p:timing>
+    <p:tnLst>
+      <p:par>
+        <p:cTn id="1" dur="indefinite" restart="never" nodeType="tmRoot"/>
+      </p:par>
+    </p:tnLst>
+  </p:timing>
+</p:sld>
+</file>
+
+<file path=ppt/slides/slide12.xml><?xml version="1.0" encoding="utf-8"?>
+<p:sld xmlns:a="http://schemas.openxmlformats.org/drawingml/2006/main" xmlns:r="http://schemas.openxmlformats.org/officeDocument/2006/relationships" xmlns:p="http://schemas.openxmlformats.org/presentationml/2006/main">
+  <p:cSld>
+    <p:spTree>
+      <p:nvGrpSpPr>
+        <p:cNvPr id="1" name=""/>
+        <p:cNvGrpSpPr/>
+        <p:nvPr/>
+      </p:nvGrpSpPr>
+      <p:grpSpPr>
+        <a:xfrm>
+          <a:off x="0" y="0"/>
+          <a:ext cx="0" cy="0"/>
+          <a:chOff x="0" y="0"/>
+          <a:chExt cx="0" cy="0"/>
+        </a:xfrm>
+      </p:grpSpPr>
+      <p:sp>
+        <p:nvSpPr>
+          <p:cNvPr id="5" name="內容版面配置區 4"/>
+          <p:cNvSpPr>
+            <a:spLocks noGrp="1"/>
+          </p:cNvSpPr>
+          <p:nvPr>
+            <p:ph idx="1"/>
+          </p:nvPr>
+        </p:nvSpPr>
+        <p:spPr>
+          <a:xfrm>
+            <a:off x="0" y="2084851"/>
+            <a:ext cx="12192000" cy="2404863"/>
+          </a:xfrm>
+        </p:spPr>
+        <p:txBody>
+          <a:bodyPr anchor="ctr">
+            <a:normAutofit/>
+          </a:bodyPr>
+          <a:lstStyle/>
+          <a:p>
+            <a:pPr marL="0" indent="0" algn="ctr">
+              <a:buNone/>
+            </a:pPr>
+            <a:r>
+              <a:rPr lang="zh-CN" altLang="en-US" sz="6400" b="1" dirty="0">
+                <a:solidFill>
+                  <a:srgbClr val="000066"/>
+                </a:solidFill>
+                <a:ea typeface="Microsoft JhengHei" panose="020B0604030504040204" pitchFamily="34" charset="-120"/>
+              </a:rPr>
+              <a:t>必告知耶穌  全告知耶穌</a:t>
+            </a:r>
+            <a:endParaRPr lang="en-US" altLang="zh-CN" sz="6400" b="1" dirty="0">
+              <a:solidFill>
+                <a:srgbClr val="000066"/>
+              </a:solidFill>
+              <a:ea typeface="Microsoft JhengHei" panose="020B0604030504040204" pitchFamily="34" charset="-120"/>
+            </a:endParaRPr>
+          </a:p>
+          <a:p>
+            <a:pPr marL="0" indent="0" algn="ctr">
+              <a:buNone/>
+            </a:pPr>
+            <a:r>
+              <a:rPr lang="zh-CN" altLang="en-US" sz="6400" b="1" dirty="0">
+                <a:solidFill>
+                  <a:srgbClr val="000066"/>
+                </a:solidFill>
+                <a:ea typeface="Microsoft JhengHei" panose="020B0604030504040204" pitchFamily="34" charset="-120"/>
+              </a:rPr>
+              <a:t>將我心中事向主傾吐</a:t>
+            </a:r>
+            <a:endParaRPr lang="en-US" altLang="zh-CN" sz="6400" b="1" dirty="0">
+              <a:solidFill>
+                <a:srgbClr val="000066"/>
+              </a:solidFill>
+              <a:ea typeface="Microsoft JhengHei" panose="020B0604030504040204" pitchFamily="34" charset="-120"/>
+            </a:endParaRPr>
+          </a:p>
+        </p:txBody>
+      </p:sp>
+    </p:spTree>
+    <p:extLst>
+      <p:ext uri="{BB962C8B-B14F-4D97-AF65-F5344CB8AC3E}">
+        <p14:creationId xmlns:p14="http://schemas.microsoft.com/office/powerpoint/2010/main" val="396892036"/>
+      </p:ext>
+    </p:extLst>
+  </p:cSld>
+  <p:clrMapOvr>
+    <a:masterClrMapping/>
+  </p:clrMapOvr>
+  <p:timing>
+    <p:tnLst>
+      <p:par>
+        <p:cTn id="1" dur="indefinite" restart="never" nodeType="tmRoot"/>
+      </p:par>
+    </p:tnLst>
+  </p:timing>
+</p:sld>
+</file>
+
+<file path=ppt/slides/slide13.xml><?xml version="1.0" encoding="utf-8"?>
+<p:sld xmlns:a="http://schemas.openxmlformats.org/drawingml/2006/main" xmlns:r="http://schemas.openxmlformats.org/officeDocument/2006/relationships" xmlns:p="http://schemas.openxmlformats.org/presentationml/2006/main">
+  <p:cSld>
+    <p:spTree>
+      <p:nvGrpSpPr>
+        <p:cNvPr id="1" name=""/>
+        <p:cNvGrpSpPr/>
+        <p:nvPr/>
+      </p:nvGrpSpPr>
+      <p:grpSpPr>
+        <a:xfrm>
+          <a:off x="0" y="0"/>
+          <a:ext cx="0" cy="0"/>
+          <a:chOff x="0" y="0"/>
+          <a:chExt cx="0" cy="0"/>
+        </a:xfrm>
+      </p:grpSpPr>
+      <p:sp>
+        <p:nvSpPr>
+          <p:cNvPr id="5" name="內容版面配置區 4"/>
+          <p:cNvSpPr>
+            <a:spLocks noGrp="1"/>
+          </p:cNvSpPr>
+          <p:nvPr>
+            <p:ph idx="1"/>
+          </p:nvPr>
+        </p:nvSpPr>
+        <p:spPr>
+          <a:xfrm>
+            <a:off x="0" y="2084851"/>
+            <a:ext cx="12192000" cy="2404863"/>
+          </a:xfrm>
+        </p:spPr>
+        <p:txBody>
+          <a:bodyPr anchor="ctr">
+            <a:normAutofit/>
+          </a:bodyPr>
+          <a:lstStyle/>
+          <a:p>
+            <a:pPr marL="0" indent="0" algn="ctr">
+              <a:buNone/>
+            </a:pPr>
+            <a:r>
+              <a:rPr lang="zh-CN" altLang="en-US" sz="6400" b="1" dirty="0">
+                <a:solidFill>
+                  <a:srgbClr val="000066"/>
+                </a:solidFill>
+                <a:ea typeface="Microsoft JhengHei" panose="020B0604030504040204" pitchFamily="34" charset="-120"/>
+              </a:rPr>
+              <a:t>必告知耶穌  全告知耶穌</a:t>
+            </a:r>
+            <a:endParaRPr lang="en-US" altLang="zh-CN" sz="6400" b="1" dirty="0">
+              <a:solidFill>
+                <a:srgbClr val="000066"/>
+              </a:solidFill>
+              <a:ea typeface="Microsoft JhengHei" panose="020B0604030504040204" pitchFamily="34" charset="-120"/>
+            </a:endParaRPr>
+          </a:p>
+          <a:p>
+            <a:pPr marL="0" indent="0" algn="ctr">
+              <a:buNone/>
+            </a:pPr>
+            <a:r>
+              <a:rPr lang="zh-CN" altLang="en-US" sz="6400" b="1" dirty="0">
+                <a:solidFill>
+                  <a:srgbClr val="000066"/>
+                </a:solidFill>
+                <a:ea typeface="Microsoft JhengHei" panose="020B0604030504040204" pitchFamily="34" charset="-120"/>
+              </a:rPr>
+              <a:t>惟主知我心善於體恤</a:t>
+            </a:r>
+            <a:endParaRPr lang="vi-VN" sz="6400" b="1" dirty="0">
+              <a:solidFill>
+                <a:srgbClr val="000066"/>
+              </a:solidFill>
+              <a:ea typeface="Microsoft JhengHei" panose="020B0604030504040204" pitchFamily="34" charset="-120"/>
+            </a:endParaRPr>
+          </a:p>
+        </p:txBody>
+      </p:sp>
+    </p:spTree>
+    <p:extLst>
+      <p:ext uri="{BB962C8B-B14F-4D97-AF65-F5344CB8AC3E}">
+        <p14:creationId xmlns:p14="http://schemas.microsoft.com/office/powerpoint/2010/main" val="459364010"/>
+      </p:ext>
+    </p:extLst>
+  </p:cSld>
+  <p:clrMapOvr>
+    <a:masterClrMapping/>
+  </p:clrMapOvr>
+  <p:timing>
+    <p:tnLst>
+      <p:par>
+        <p:cTn id="1" dur="indefinite" restart="never" nodeType="tmRoot"/>
+      </p:par>
+    </p:tnLst>
+  </p:timing>
+</p:sld>
+</file>
+
+<file path=ppt/slides/slide14.xml><?xml version="1.0" encoding="utf-8"?>
+<p:sld xmlns:a="http://schemas.openxmlformats.org/drawingml/2006/main" xmlns:r="http://schemas.openxmlformats.org/officeDocument/2006/relationships" xmlns:p="http://schemas.openxmlformats.org/presentationml/2006/main">
+  <p:cSld>
+    <p:spTree>
+      <p:nvGrpSpPr>
+        <p:cNvPr id="1" name=""/>
+        <p:cNvGrpSpPr/>
+        <p:nvPr/>
+      </p:nvGrpSpPr>
+      <p:grpSpPr>
+        <a:xfrm>
+          <a:off x="0" y="0"/>
+          <a:ext cx="0" cy="0"/>
+          <a:chOff x="0" y="0"/>
+          <a:chExt cx="0" cy="0"/>
+        </a:xfrm>
+      </p:grpSpPr>
+      <p:sp>
+        <p:nvSpPr>
+          <p:cNvPr id="5" name="內容版面配置區 4"/>
+          <p:cNvSpPr>
+            <a:spLocks noGrp="1"/>
+          </p:cNvSpPr>
+          <p:nvPr>
+            <p:ph idx="1"/>
+          </p:nvPr>
+        </p:nvSpPr>
+        <p:spPr>
+          <a:xfrm>
+            <a:off x="0" y="2084851"/>
+            <a:ext cx="12192000" cy="2404863"/>
+          </a:xfrm>
+        </p:spPr>
+        <p:txBody>
+          <a:bodyPr anchor="ctr">
+            <a:normAutofit/>
+          </a:bodyPr>
+          <a:lstStyle/>
+          <a:p>
+            <a:pPr marL="0" indent="0" algn="ctr">
+              <a:buNone/>
+            </a:pPr>
+            <a:r>
+              <a:rPr lang="zh-CN" altLang="en-US" sz="6400" b="1" dirty="0">
+                <a:solidFill>
+                  <a:srgbClr val="000066"/>
+                </a:solidFill>
+                <a:latin typeface="Microsoft JhengHei" panose="020B0604030504040204" pitchFamily="34" charset="-120"/>
+                <a:ea typeface="Microsoft JhengHei" panose="020B0604030504040204" pitchFamily="34" charset="-120"/>
+              </a:rPr>
+              <a:t>今將我重担  全告知耶穌</a:t>
+            </a:r>
+            <a:endParaRPr lang="en-US" altLang="zh-CN" sz="6400" b="1" dirty="0">
+              <a:solidFill>
+                <a:srgbClr val="000066"/>
+              </a:solidFill>
+              <a:latin typeface="Microsoft JhengHei" panose="020B0604030504040204" pitchFamily="34" charset="-120"/>
+              <a:ea typeface="Microsoft JhengHei" panose="020B0604030504040204" pitchFamily="34" charset="-120"/>
+            </a:endParaRPr>
+          </a:p>
+          <a:p>
+            <a:pPr marL="0" indent="0" algn="ctr">
+              <a:buNone/>
+            </a:pPr>
+            <a:r>
+              <a:rPr lang="zh-CN" altLang="en-US" sz="6400" b="1" dirty="0">
+                <a:solidFill>
+                  <a:srgbClr val="000066"/>
+                </a:solidFill>
+                <a:latin typeface="Microsoft JhengHei" panose="020B0604030504040204" pitchFamily="34" charset="-120"/>
+                <a:ea typeface="Microsoft JhengHei" panose="020B0604030504040204" pitchFamily="34" charset="-120"/>
+              </a:rPr>
+              <a:t>我不能獨自勝此勞苦</a:t>
+            </a:r>
+            <a:endParaRPr lang="en-US" altLang="zh-CN" sz="6400" b="1" dirty="0">
+              <a:solidFill>
+                <a:srgbClr val="000066"/>
+              </a:solidFill>
+              <a:latin typeface="Microsoft JhengHei" panose="020B0604030504040204" pitchFamily="34" charset="-120"/>
+              <a:ea typeface="Microsoft JhengHei" panose="020B0604030504040204" pitchFamily="34" charset="-120"/>
+            </a:endParaRPr>
+          </a:p>
+        </p:txBody>
+      </p:sp>
+      <p:sp>
+        <p:nvSpPr>
+          <p:cNvPr id="3" name="TextBox 2"/>
+          <p:cNvSpPr txBox="1"/>
+          <p:nvPr/>
+        </p:nvSpPr>
+        <p:spPr>
+          <a:xfrm>
+            <a:off x="0" y="5071885"/>
+            <a:ext cx="12192000" cy="923330"/>
+          </a:xfrm>
+          <a:prstGeom prst="rect">
+            <a:avLst/>
+          </a:prstGeom>
+          <a:noFill/>
+        </p:spPr>
+        <p:txBody>
+          <a:bodyPr wrap="square" rtlCol="0">
+            <a:spAutoFit/>
+          </a:bodyPr>
+          <a:lstStyle/>
+          <a:p>
+            <a:pPr algn="ctr"/>
+            <a:r>
+              <a:rPr lang="en-US" sz="5400" b="1" dirty="0" smtClean="0">
+                <a:solidFill>
+                  <a:srgbClr val="000066"/>
+                </a:solidFill>
+              </a:rPr>
+              <a:t>( 4 )</a:t>
+            </a:r>
+            <a:endParaRPr lang="vi-VN" sz="5400" b="1" dirty="0">
+              <a:solidFill>
+                <a:srgbClr val="000066"/>
+              </a:solidFill>
+            </a:endParaRPr>
+          </a:p>
+        </p:txBody>
+      </p:sp>
+    </p:spTree>
+    <p:extLst>
+      <p:ext uri="{BB962C8B-B14F-4D97-AF65-F5344CB8AC3E}">
+        <p14:creationId xmlns:p14="http://schemas.microsoft.com/office/powerpoint/2010/main" val="664523566"/>
+      </p:ext>
+    </p:extLst>
+  </p:cSld>
+  <p:clrMapOvr>
+    <a:masterClrMapping/>
+  </p:clrMapOvr>
+  <p:timing>
+    <p:tnLst>
+      <p:par>
+        <p:cTn id="1" dur="indefinite" restart="never" nodeType="tmRoot"/>
+      </p:par>
+    </p:tnLst>
+  </p:timing>
+</p:sld>
+</file>
+
+<file path=ppt/slides/slide15.xml><?xml version="1.0" encoding="utf-8"?>
+<p:sld xmlns:a="http://schemas.openxmlformats.org/drawingml/2006/main" xmlns:r="http://schemas.openxmlformats.org/officeDocument/2006/relationships" xmlns:p="http://schemas.openxmlformats.org/presentationml/2006/main">
+  <p:cSld>
+    <p:spTree>
+      <p:nvGrpSpPr>
+        <p:cNvPr id="1" name=""/>
+        <p:cNvGrpSpPr/>
+        <p:nvPr/>
+      </p:nvGrpSpPr>
+      <p:grpSpPr>
+        <a:xfrm>
+          <a:off x="0" y="0"/>
+          <a:ext cx="0" cy="0"/>
+          <a:chOff x="0" y="0"/>
+          <a:chExt cx="0" cy="0"/>
+        </a:xfrm>
+      </p:grpSpPr>
+      <p:sp>
+        <p:nvSpPr>
+          <p:cNvPr id="5" name="內容版面配置區 4"/>
+          <p:cNvSpPr>
+            <a:spLocks noGrp="1"/>
+          </p:cNvSpPr>
+          <p:nvPr>
+            <p:ph idx="1"/>
+          </p:nvPr>
+        </p:nvSpPr>
+        <p:spPr>
+          <a:xfrm>
+            <a:off x="0" y="2084851"/>
+            <a:ext cx="12192000" cy="2404863"/>
+          </a:xfrm>
+        </p:spPr>
+        <p:txBody>
+          <a:bodyPr anchor="ctr">
+            <a:normAutofit/>
+          </a:bodyPr>
+          <a:lstStyle/>
+          <a:p>
+            <a:pPr marL="0" indent="0" algn="ctr">
+              <a:buNone/>
+            </a:pPr>
+            <a:r>
+              <a:rPr lang="zh-CN" altLang="en-US" sz="6400" b="1" dirty="0">
+                <a:solidFill>
+                  <a:srgbClr val="000066"/>
+                </a:solidFill>
+                <a:latin typeface="Microsoft JhengHei" panose="020B0604030504040204" pitchFamily="34" charset="-120"/>
+                <a:ea typeface="Microsoft JhengHei" panose="020B0604030504040204" pitchFamily="34" charset="-120"/>
+              </a:rPr>
+              <a:t>我一切事務  主樂於担負</a:t>
+            </a:r>
+            <a:endParaRPr lang="en-US" altLang="zh-CN" sz="6400" b="1" dirty="0">
+              <a:solidFill>
+                <a:srgbClr val="000066"/>
+              </a:solidFill>
+              <a:latin typeface="Microsoft JhengHei" panose="020B0604030504040204" pitchFamily="34" charset="-120"/>
+              <a:ea typeface="Microsoft JhengHei" panose="020B0604030504040204" pitchFamily="34" charset="-120"/>
+            </a:endParaRPr>
+          </a:p>
+          <a:p>
+            <a:pPr marL="0" indent="0" algn="ctr">
+              <a:buNone/>
+            </a:pPr>
+            <a:r>
+              <a:rPr lang="zh-CN" altLang="en-US" sz="6400" b="1" dirty="0">
+                <a:solidFill>
+                  <a:srgbClr val="000066"/>
+                </a:solidFill>
+                <a:latin typeface="Microsoft JhengHei" panose="020B0604030504040204" pitchFamily="34" charset="-120"/>
+                <a:ea typeface="Microsoft JhengHei" panose="020B0604030504040204" pitchFamily="34" charset="-120"/>
+              </a:rPr>
+              <a:t>甘作我密友時相幫助</a:t>
+            </a:r>
+            <a:endParaRPr lang="vi-VN" sz="6400" b="1" dirty="0">
+              <a:solidFill>
+                <a:srgbClr val="000066"/>
+              </a:solidFill>
+              <a:ea typeface="Microsoft JhengHei" panose="020B0604030504040204" pitchFamily="34" charset="-120"/>
+            </a:endParaRPr>
+          </a:p>
+        </p:txBody>
+      </p:sp>
+      <p:sp>
+        <p:nvSpPr>
+          <p:cNvPr id="3" name="TextBox 2"/>
+          <p:cNvSpPr txBox="1"/>
+          <p:nvPr/>
+        </p:nvSpPr>
+        <p:spPr>
+          <a:xfrm>
+            <a:off x="0" y="5071885"/>
+            <a:ext cx="12192000" cy="923330"/>
+          </a:xfrm>
+          <a:prstGeom prst="rect">
+            <a:avLst/>
+          </a:prstGeom>
+          <a:noFill/>
+        </p:spPr>
+        <p:txBody>
+          <a:bodyPr wrap="square" rtlCol="0">
+            <a:spAutoFit/>
+          </a:bodyPr>
+          <a:lstStyle/>
+          <a:p>
+            <a:pPr algn="ctr"/>
+            <a:r>
+              <a:rPr lang="en-US" sz="5400" b="1" dirty="0" smtClean="0">
+                <a:solidFill>
+                  <a:srgbClr val="000066"/>
+                </a:solidFill>
+              </a:rPr>
+              <a:t>( 4 )</a:t>
+            </a:r>
+            <a:endParaRPr lang="vi-VN" sz="5400" b="1" dirty="0">
+              <a:solidFill>
+                <a:srgbClr val="000066"/>
+              </a:solidFill>
+            </a:endParaRPr>
+          </a:p>
+        </p:txBody>
+      </p:sp>
+    </p:spTree>
+    <p:extLst>
+      <p:ext uri="{BB962C8B-B14F-4D97-AF65-F5344CB8AC3E}">
+        <p14:creationId xmlns:p14="http://schemas.microsoft.com/office/powerpoint/2010/main" val="1141748893"/>
+      </p:ext>
+    </p:extLst>
+  </p:cSld>
+  <p:clrMapOvr>
+    <a:masterClrMapping/>
+  </p:clrMapOvr>
+  <p:timing>
+    <p:tnLst>
+      <p:par>
+        <p:cTn id="1" dur="indefinite" restart="never" nodeType="tmRoot"/>
+      </p:par>
+    </p:tnLst>
+  </p:timing>
+</p:sld>
+</file>
+
+<file path=ppt/slides/slide16.xml><?xml version="1.0" encoding="utf-8"?>
+<p:sld xmlns:a="http://schemas.openxmlformats.org/drawingml/2006/main" xmlns:r="http://schemas.openxmlformats.org/officeDocument/2006/relationships" xmlns:p="http://schemas.openxmlformats.org/presentationml/2006/main">
+  <p:cSld>
+    <p:spTree>
+      <p:nvGrpSpPr>
+        <p:cNvPr id="1" name=""/>
+        <p:cNvGrpSpPr/>
+        <p:nvPr/>
+      </p:nvGrpSpPr>
+      <p:grpSpPr>
+        <a:xfrm>
+          <a:off x="0" y="0"/>
+          <a:ext cx="0" cy="0"/>
+          <a:chOff x="0" y="0"/>
+          <a:chExt cx="0" cy="0"/>
+        </a:xfrm>
+      </p:grpSpPr>
+      <p:sp>
+        <p:nvSpPr>
+          <p:cNvPr id="5" name="內容版面配置區 4"/>
+          <p:cNvSpPr>
+            <a:spLocks noGrp="1"/>
+          </p:cNvSpPr>
+          <p:nvPr>
+            <p:ph idx="1"/>
+          </p:nvPr>
+        </p:nvSpPr>
+        <p:spPr>
+          <a:xfrm>
+            <a:off x="0" y="2084851"/>
+            <a:ext cx="12192000" cy="2404863"/>
+          </a:xfrm>
+        </p:spPr>
+        <p:txBody>
+          <a:bodyPr anchor="ctr">
+            <a:normAutofit/>
+          </a:bodyPr>
+          <a:lstStyle/>
+          <a:p>
+            <a:pPr marL="0" indent="0" algn="ctr">
+              <a:buNone/>
+            </a:pPr>
+            <a:r>
+              <a:rPr lang="zh-CN" altLang="en-US" sz="6400" b="1" dirty="0">
+                <a:solidFill>
+                  <a:srgbClr val="000066"/>
+                </a:solidFill>
+                <a:ea typeface="Microsoft JhengHei" panose="020B0604030504040204" pitchFamily="34" charset="-120"/>
+              </a:rPr>
+              <a:t>必告知耶穌  全告知耶穌</a:t>
+            </a:r>
+            <a:endParaRPr lang="en-US" altLang="zh-CN" sz="6400" b="1" dirty="0">
+              <a:solidFill>
+                <a:srgbClr val="000066"/>
+              </a:solidFill>
+              <a:ea typeface="Microsoft JhengHei" panose="020B0604030504040204" pitchFamily="34" charset="-120"/>
+            </a:endParaRPr>
+          </a:p>
+          <a:p>
+            <a:pPr marL="0" indent="0" algn="ctr">
+              <a:buNone/>
+            </a:pPr>
+            <a:r>
+              <a:rPr lang="zh-CN" altLang="en-US" sz="6400" b="1" dirty="0">
+                <a:solidFill>
+                  <a:srgbClr val="000066"/>
+                </a:solidFill>
+                <a:ea typeface="Microsoft JhengHei" panose="020B0604030504040204" pitchFamily="34" charset="-120"/>
+              </a:rPr>
+              <a:t>將我心中事向主傾吐</a:t>
+            </a:r>
+            <a:endParaRPr lang="en-US" altLang="zh-CN" sz="6400" b="1" dirty="0">
+              <a:solidFill>
+                <a:srgbClr val="000066"/>
+              </a:solidFill>
+              <a:ea typeface="Microsoft JhengHei" panose="020B0604030504040204" pitchFamily="34" charset="-120"/>
+            </a:endParaRPr>
+          </a:p>
+        </p:txBody>
+      </p:sp>
+    </p:spTree>
+    <p:extLst>
+      <p:ext uri="{BB962C8B-B14F-4D97-AF65-F5344CB8AC3E}">
+        <p14:creationId xmlns:p14="http://schemas.microsoft.com/office/powerpoint/2010/main" val="3676173359"/>
+      </p:ext>
+    </p:extLst>
+  </p:cSld>
+  <p:clrMapOvr>
+    <a:masterClrMapping/>
+  </p:clrMapOvr>
+  <p:timing>
+    <p:tnLst>
+      <p:par>
+        <p:cTn id="1" dur="indefinite" restart="never" nodeType="tmRoot"/>
+      </p:par>
+    </p:tnLst>
+  </p:timing>
+</p:sld>
+</file>
+
+<file path=ppt/slides/slide17.xml><?xml version="1.0" encoding="utf-8"?>
+<p:sld xmlns:a="http://schemas.openxmlformats.org/drawingml/2006/main" xmlns:r="http://schemas.openxmlformats.org/officeDocument/2006/relationships" xmlns:p="http://schemas.openxmlformats.org/presentationml/2006/main">
+  <p:cSld>
+    <p:spTree>
+      <p:nvGrpSpPr>
+        <p:cNvPr id="1" name=""/>
+        <p:cNvGrpSpPr/>
+        <p:nvPr/>
+      </p:nvGrpSpPr>
+      <p:grpSpPr>
+        <a:xfrm>
+          <a:off x="0" y="0"/>
+          <a:ext cx="0" cy="0"/>
+          <a:chOff x="0" y="0"/>
+          <a:chExt cx="0" cy="0"/>
+        </a:xfrm>
+      </p:grpSpPr>
+      <p:sp>
+        <p:nvSpPr>
+          <p:cNvPr id="5" name="內容版面配置區 4"/>
+          <p:cNvSpPr>
+            <a:spLocks noGrp="1"/>
+          </p:cNvSpPr>
+          <p:nvPr>
+            <p:ph idx="1"/>
+          </p:nvPr>
+        </p:nvSpPr>
+        <p:spPr>
+          <a:xfrm>
+            <a:off x="0" y="2084851"/>
+            <a:ext cx="12192000" cy="2404863"/>
+          </a:xfrm>
+        </p:spPr>
+        <p:txBody>
+          <a:bodyPr anchor="ctr">
+            <a:normAutofit/>
+          </a:bodyPr>
+          <a:lstStyle/>
+          <a:p>
+            <a:pPr marL="0" indent="0" algn="ctr">
+              <a:buNone/>
+            </a:pPr>
+            <a:r>
+              <a:rPr lang="zh-CN" altLang="en-US" sz="6400" b="1" dirty="0">
+                <a:solidFill>
+                  <a:srgbClr val="000066"/>
+                </a:solidFill>
+                <a:ea typeface="Microsoft JhengHei" panose="020B0604030504040204" pitchFamily="34" charset="-120"/>
+              </a:rPr>
+              <a:t>必告知耶穌  全告知耶穌</a:t>
+            </a:r>
+            <a:endParaRPr lang="en-US" altLang="zh-CN" sz="6400" b="1" dirty="0">
+              <a:solidFill>
+                <a:srgbClr val="000066"/>
+              </a:solidFill>
+              <a:ea typeface="Microsoft JhengHei" panose="020B0604030504040204" pitchFamily="34" charset="-120"/>
+            </a:endParaRPr>
+          </a:p>
+          <a:p>
+            <a:pPr marL="0" indent="0" algn="ctr">
+              <a:buNone/>
+            </a:pPr>
+            <a:r>
+              <a:rPr lang="zh-CN" altLang="en-US" sz="6400" b="1" dirty="0">
+                <a:solidFill>
+                  <a:srgbClr val="000066"/>
+                </a:solidFill>
+                <a:ea typeface="Microsoft JhengHei" panose="020B0604030504040204" pitchFamily="34" charset="-120"/>
+              </a:rPr>
+              <a:t>惟主知我心善於體恤</a:t>
+            </a:r>
+            <a:endParaRPr lang="vi-VN" sz="6400" b="1" dirty="0">
+              <a:solidFill>
+                <a:srgbClr val="000066"/>
+              </a:solidFill>
+              <a:ea typeface="Microsoft JhengHei" panose="020B0604030504040204" pitchFamily="34" charset="-120"/>
+            </a:endParaRPr>
+          </a:p>
+        </p:txBody>
+      </p:sp>
+    </p:spTree>
+    <p:extLst>
+      <p:ext uri="{BB962C8B-B14F-4D97-AF65-F5344CB8AC3E}">
+        <p14:creationId xmlns:p14="http://schemas.microsoft.com/office/powerpoint/2010/main" val="1314084251"/>
+      </p:ext>
+    </p:extLst>
+  </p:cSld>
+  <p:clrMapOvr>
+    <a:masterClrMapping/>
+  </p:clrMapOvr>
+  <p:timing>
+    <p:tnLst>
+      <p:par>
+        <p:cTn id="1" dur="indefinite" restart="never" nodeType="tmRoot"/>
+      </p:par>
+    </p:tnLst>
+  </p:timing>
 </p:sld>
 </file>
 
@@ -3284,104 +4258,106 @@
       </p:grpSpPr>
       <p:sp>
         <p:nvSpPr>
-          <p:cNvPr id="2" name="Title 1"/>
-          <p:cNvSpPr>
-            <a:spLocks noGrp="1"/>
-          </p:cNvSpPr>
-          <p:nvPr>
-            <p:ph type="title"/>
-          </p:nvPr>
-        </p:nvSpPr>
-        <p:spPr/>
-        <p:txBody>
-          <a:bodyPr>
+          <p:cNvPr id="5" name="內容版面配置區 4"/>
+          <p:cNvSpPr>
+            <a:spLocks noGrp="1"/>
+          </p:cNvSpPr>
+          <p:nvPr>
+            <p:ph idx="1"/>
+          </p:nvPr>
+        </p:nvSpPr>
+        <p:spPr>
+          <a:xfrm>
+            <a:off x="0" y="2084851"/>
+            <a:ext cx="12192000" cy="2404863"/>
+          </a:xfrm>
+        </p:spPr>
+        <p:txBody>
+          <a:bodyPr anchor="ctr">
             <a:normAutofit/>
           </a:bodyPr>
           <a:lstStyle/>
           <a:p>
-            <a:r>
-              <a:rPr lang="zh-CN" altLang="en-US" sz="4800" b="1" dirty="0" smtClean="0">
+            <a:pPr marL="0" indent="0" algn="ctr">
+              <a:buNone/>
+            </a:pPr>
+            <a:r>
+              <a:rPr lang="zh-CN" altLang="en-US" sz="6400" b="1" dirty="0">
+                <a:solidFill>
+                  <a:srgbClr val="000066"/>
+                </a:solidFill>
                 <a:latin typeface="Microsoft JhengHei" panose="020B0604030504040204" pitchFamily="34" charset="-120"/>
                 <a:ea typeface="Microsoft JhengHei" panose="020B0604030504040204" pitchFamily="34" charset="-120"/>
               </a:rPr>
-              <a:t>全告知耶穌</a:t>
-            </a:r>
-            <a:endParaRPr lang="vi-VN" sz="4800" b="1" dirty="0">
+              <a:t>今將我苦況  全告知耶穌</a:t>
+            </a:r>
+            <a:endParaRPr lang="en-US" altLang="zh-CN" sz="6400" b="1" dirty="0">
+              <a:solidFill>
+                <a:srgbClr val="000066"/>
+              </a:solidFill>
+              <a:latin typeface="Microsoft JhengHei" panose="020B0604030504040204" pitchFamily="34" charset="-120"/>
               <a:ea typeface="Microsoft JhengHei" panose="020B0604030504040204" pitchFamily="34" charset="-120"/>
             </a:endParaRPr>
           </a:p>
-        </p:txBody>
-      </p:sp>
-      <p:sp>
-        <p:nvSpPr>
-          <p:cNvPr id="3" name="Content Placeholder 2"/>
-          <p:cNvSpPr>
-            <a:spLocks noGrp="1"/>
-          </p:cNvSpPr>
-          <p:nvPr>
-            <p:ph idx="1"/>
-          </p:nvPr>
-        </p:nvSpPr>
-        <p:spPr/>
-        <p:txBody>
-          <a:bodyPr>
-            <a:normAutofit/>
-          </a:bodyPr>
-          <a:lstStyle/>
           <a:p>
             <a:pPr marL="0" indent="0" algn="ctr">
               <a:buNone/>
             </a:pPr>
             <a:r>
-              <a:rPr lang="zh-CN" altLang="en-US" sz="5400" b="1" dirty="0" smtClean="0">
+              <a:rPr lang="zh-CN" altLang="en-US" sz="6400" b="1" dirty="0">
+                <a:solidFill>
+                  <a:srgbClr val="000066"/>
+                </a:solidFill>
+                <a:latin typeface="Microsoft JhengHei" panose="020B0604030504040204" pitchFamily="34" charset="-120"/>
                 <a:ea typeface="Microsoft JhengHei" panose="020B0604030504040204" pitchFamily="34" charset="-120"/>
               </a:rPr>
-              <a:t>必告知耶穌  全告知耶穌</a:t>
-            </a:r>
-            <a:endParaRPr lang="en-US" altLang="zh-CN" sz="5400" b="1" dirty="0" smtClean="0">
+              <a:t>我不能獨自受此憂慮</a:t>
+            </a:r>
+            <a:endParaRPr lang="en-US" altLang="zh-CN" sz="6400" b="1" dirty="0">
+              <a:solidFill>
+                <a:srgbClr val="000066"/>
+              </a:solidFill>
+              <a:latin typeface="Microsoft JhengHei" panose="020B0604030504040204" pitchFamily="34" charset="-120"/>
               <a:ea typeface="Microsoft JhengHei" panose="020B0604030504040204" pitchFamily="34" charset="-120"/>
             </a:endParaRPr>
           </a:p>
-          <a:p>
-            <a:pPr marL="0" indent="0" algn="ctr">
-              <a:buNone/>
-            </a:pPr>
-            <a:r>
-              <a:rPr lang="zh-CN" altLang="en-US" sz="5400" b="1" dirty="0" smtClean="0">
-                <a:ea typeface="Microsoft JhengHei" panose="020B0604030504040204" pitchFamily="34" charset="-120"/>
+        </p:txBody>
+      </p:sp>
+      <p:sp>
+        <p:nvSpPr>
+          <p:cNvPr id="3" name="TextBox 2"/>
+          <p:cNvSpPr txBox="1"/>
+          <p:nvPr/>
+        </p:nvSpPr>
+        <p:spPr>
+          <a:xfrm>
+            <a:off x="0" y="5071885"/>
+            <a:ext cx="12192000" cy="923330"/>
+          </a:xfrm>
+          <a:prstGeom prst="rect">
+            <a:avLst/>
+          </a:prstGeom>
+          <a:noFill/>
+        </p:spPr>
+        <p:txBody>
+          <a:bodyPr wrap="square" rtlCol="0">
+            <a:spAutoFit/>
+          </a:bodyPr>
+          <a:lstStyle/>
+          <a:p>
+            <a:pPr algn="ctr"/>
+            <a:r>
+              <a:rPr lang="en-US" sz="5400" b="1" dirty="0" smtClean="0">
+                <a:solidFill>
+                  <a:srgbClr val="000066"/>
+                </a:solidFill>
               </a:rPr>
-              <a:t>將我心中事向主傾吐</a:t>
-            </a:r>
-            <a:endParaRPr lang="en-US" altLang="zh-CN" sz="5400" b="1" dirty="0" smtClean="0">
-              <a:ea typeface="Microsoft JhengHei" panose="020B0604030504040204" pitchFamily="34" charset="-120"/>
-            </a:endParaRPr>
-          </a:p>
-          <a:p>
-            <a:pPr marL="0" indent="0" algn="ctr">
-              <a:buNone/>
-            </a:pPr>
-            <a:r>
-              <a:rPr lang="zh-CN" altLang="en-US" sz="5400" b="1" dirty="0">
-                <a:ea typeface="Microsoft JhengHei" panose="020B0604030504040204" pitchFamily="34" charset="-120"/>
-              </a:rPr>
-              <a:t>必告知耶穌  全告知耶穌</a:t>
-            </a:r>
-            <a:endParaRPr lang="en-US" altLang="zh-CN" sz="5400" b="1" dirty="0">
-              <a:ea typeface="Microsoft JhengHei" panose="020B0604030504040204" pitchFamily="34" charset="-120"/>
-            </a:endParaRPr>
-          </a:p>
-          <a:p>
-            <a:pPr marL="0" indent="0" algn="ctr">
-              <a:buNone/>
-            </a:pPr>
-            <a:r>
-              <a:rPr lang="zh-CN" altLang="en-US" sz="5400" b="1" dirty="0" smtClean="0">
-                <a:ea typeface="Microsoft JhengHei" panose="020B0604030504040204" pitchFamily="34" charset="-120"/>
-              </a:rPr>
-              <a:t>惟主知我心善於體恤</a:t>
+              <a:t>( 1 )</a:t>
             </a:r>
             <a:endParaRPr lang="vi-VN" sz="5400" b="1" dirty="0">
-              <a:ea typeface="Microsoft JhengHei" panose="020B0604030504040204" pitchFamily="34" charset="-120"/>
+              <a:solidFill>
+                <a:srgbClr val="000066"/>
+              </a:solidFill>
             </a:endParaRPr>
           </a:p>
         </p:txBody>
@@ -3389,13 +4365,20 @@
     </p:spTree>
     <p:extLst>
       <p:ext uri="{BB962C8B-B14F-4D97-AF65-F5344CB8AC3E}">
-        <p14:creationId xmlns:p14="http://schemas.microsoft.com/office/powerpoint/2010/main" val="2472176684"/>
+        <p14:creationId xmlns:p14="http://schemas.microsoft.com/office/powerpoint/2010/main" val="1588327362"/>
       </p:ext>
     </p:extLst>
   </p:cSld>
   <p:clrMapOvr>
     <a:masterClrMapping/>
   </p:clrMapOvr>
+  <p:timing>
+    <p:tnLst>
+      <p:par>
+        <p:cTn id="1" dur="indefinite" restart="never" nodeType="tmRoot"/>
+      </p:par>
+    </p:tnLst>
+  </p:timing>
 </p:sld>
 </file>
 
@@ -3418,125 +4401,81 @@
       </p:grpSpPr>
       <p:sp>
         <p:nvSpPr>
-          <p:cNvPr id="2" name="Title 1"/>
-          <p:cNvSpPr>
-            <a:spLocks noGrp="1"/>
-          </p:cNvSpPr>
-          <p:nvPr>
-            <p:ph type="title"/>
-          </p:nvPr>
-        </p:nvSpPr>
-        <p:spPr/>
-        <p:txBody>
-          <a:bodyPr>
+          <p:cNvPr id="5" name="內容版面配置區 4"/>
+          <p:cNvSpPr>
+            <a:spLocks noGrp="1"/>
+          </p:cNvSpPr>
+          <p:nvPr>
+            <p:ph idx="1"/>
+          </p:nvPr>
+        </p:nvSpPr>
+        <p:spPr>
+          <a:xfrm>
+            <a:off x="0" y="2084851"/>
+            <a:ext cx="12192000" cy="2404863"/>
+          </a:xfrm>
+        </p:spPr>
+        <p:txBody>
+          <a:bodyPr anchor="ctr">
             <a:normAutofit/>
           </a:bodyPr>
           <a:lstStyle/>
           <a:p>
-            <a:r>
-              <a:rPr lang="zh-CN" altLang="en-US" sz="4800" b="1" dirty="0" smtClean="0">
+            <a:pPr marL="0" indent="0" algn="ctr">
+              <a:buNone/>
+            </a:pPr>
+            <a:r>
+              <a:rPr lang="zh-CN" altLang="en-US" sz="6400" b="1" dirty="0">
+                <a:solidFill>
+                  <a:srgbClr val="000066"/>
+                </a:solidFill>
                 <a:latin typeface="Microsoft JhengHei" panose="020B0604030504040204" pitchFamily="34" charset="-120"/>
                 <a:ea typeface="Microsoft JhengHei" panose="020B0604030504040204" pitchFamily="34" charset="-120"/>
               </a:rPr>
-              <a:t>全告知耶穌</a:t>
-            </a:r>
-            <a:endParaRPr lang="vi-VN" sz="4800" b="1" dirty="0">
+              <a:t>我於患難中  惟主能體恤</a:t>
+            </a:r>
+            <a:endParaRPr lang="en-US" altLang="zh-CN" sz="6400" b="1" dirty="0">
+              <a:solidFill>
+                <a:srgbClr val="000066"/>
+              </a:solidFill>
+              <a:latin typeface="Microsoft JhengHei" panose="020B0604030504040204" pitchFamily="34" charset="-120"/>
               <a:ea typeface="Microsoft JhengHei" panose="020B0604030504040204" pitchFamily="34" charset="-120"/>
             </a:endParaRPr>
           </a:p>
-        </p:txBody>
-      </p:sp>
-      <p:sp>
-        <p:nvSpPr>
-          <p:cNvPr id="3" name="Content Placeholder 2"/>
-          <p:cNvSpPr>
-            <a:spLocks noGrp="1"/>
-          </p:cNvSpPr>
-          <p:nvPr>
-            <p:ph idx="1"/>
-          </p:nvPr>
-        </p:nvSpPr>
-        <p:spPr/>
-        <p:txBody>
-          <a:bodyPr>
-            <a:normAutofit/>
-          </a:bodyPr>
-          <a:lstStyle/>
           <a:p>
             <a:pPr marL="0" indent="0" algn="ctr">
               <a:buNone/>
             </a:pPr>
             <a:r>
-              <a:rPr lang="zh-CN" altLang="en-US" sz="5400" b="1" dirty="0" smtClean="0">
+              <a:rPr lang="zh-CN" altLang="en-US" sz="6400" b="1" dirty="0">
+                <a:solidFill>
+                  <a:srgbClr val="000066"/>
+                </a:solidFill>
                 <a:latin typeface="Microsoft JhengHei" panose="020B0604030504040204" pitchFamily="34" charset="-120"/>
                 <a:ea typeface="Microsoft JhengHei" panose="020B0604030504040204" pitchFamily="34" charset="-120"/>
               </a:rPr>
-              <a:t>今將我缺欠  全告知耶穌</a:t>
-            </a:r>
-            <a:endParaRPr lang="en-US" altLang="zh-CN" sz="5400" b="1" dirty="0" smtClean="0">
+              <a:t>拭去我眼淚善於安撫</a:t>
+            </a:r>
+            <a:endParaRPr lang="vi-VN" sz="6400" b="1" dirty="0">
+              <a:solidFill>
+                <a:srgbClr val="000066"/>
+              </a:solidFill>
               <a:latin typeface="Microsoft JhengHei" panose="020B0604030504040204" pitchFamily="34" charset="-120"/>
               <a:ea typeface="Microsoft JhengHei" panose="020B0604030504040204" pitchFamily="34" charset="-120"/>
             </a:endParaRPr>
           </a:p>
-          <a:p>
-            <a:pPr marL="0" indent="0" algn="ctr">
-              <a:buNone/>
-            </a:pPr>
-            <a:r>
-              <a:rPr lang="zh-CN" altLang="en-US" sz="5400" b="1" dirty="0" smtClean="0">
-                <a:latin typeface="Microsoft JhengHei" panose="020B0604030504040204" pitchFamily="34" charset="-120"/>
-                <a:ea typeface="Microsoft JhengHei" panose="020B0604030504040204" pitchFamily="34" charset="-120"/>
-              </a:rPr>
-              <a:t>我不能獨自補我不足</a:t>
-            </a:r>
-            <a:endParaRPr lang="en-US" altLang="zh-CN" sz="5400" b="1" dirty="0" smtClean="0">
-              <a:latin typeface="Microsoft JhengHei" panose="020B0604030504040204" pitchFamily="34" charset="-120"/>
-              <a:ea typeface="Microsoft JhengHei" panose="020B0604030504040204" pitchFamily="34" charset="-120"/>
-            </a:endParaRPr>
-          </a:p>
-          <a:p>
-            <a:pPr marL="0" indent="0" algn="ctr">
-              <a:buNone/>
-            </a:pPr>
-            <a:r>
-              <a:rPr lang="zh-CN" altLang="en-US" sz="5400" b="1" dirty="0" smtClean="0">
-                <a:latin typeface="Microsoft JhengHei" panose="020B0604030504040204" pitchFamily="34" charset="-120"/>
-                <a:ea typeface="Microsoft JhengHei" panose="020B0604030504040204" pitchFamily="34" charset="-120"/>
-              </a:rPr>
-              <a:t>我所有弱點  惟主能幫助</a:t>
-            </a:r>
-            <a:endParaRPr lang="en-US" altLang="zh-CN" sz="5400" b="1" dirty="0" smtClean="0">
-              <a:latin typeface="Microsoft JhengHei" panose="020B0604030504040204" pitchFamily="34" charset="-120"/>
-              <a:ea typeface="Microsoft JhengHei" panose="020B0604030504040204" pitchFamily="34" charset="-120"/>
-            </a:endParaRPr>
-          </a:p>
-          <a:p>
-            <a:pPr marL="0" indent="0" algn="ctr">
-              <a:buNone/>
-            </a:pPr>
-            <a:r>
-              <a:rPr lang="zh-CN" altLang="en-US" sz="5400" b="1" dirty="0" smtClean="0">
-                <a:latin typeface="Microsoft JhengHei" panose="020B0604030504040204" pitchFamily="34" charset="-120"/>
-                <a:ea typeface="Microsoft JhengHei" panose="020B0604030504040204" pitchFamily="34" charset="-120"/>
-              </a:rPr>
-              <a:t>終必救我到完美地步</a:t>
-            </a:r>
-            <a:endParaRPr lang="vi-VN" sz="5400" b="1" dirty="0">
-              <a:ea typeface="Microsoft JhengHei" panose="020B0604030504040204" pitchFamily="34" charset="-120"/>
-            </a:endParaRPr>
-          </a:p>
-        </p:txBody>
-      </p:sp>
-      <p:sp>
-        <p:nvSpPr>
-          <p:cNvPr id="5" name="TextBox 4"/>
+        </p:txBody>
+      </p:sp>
+      <p:sp>
+        <p:nvSpPr>
+          <p:cNvPr id="3" name="TextBox 2"/>
           <p:cNvSpPr txBox="1"/>
           <p:nvPr/>
         </p:nvSpPr>
         <p:spPr>
           <a:xfrm>
-            <a:off x="882316" y="1600201"/>
-            <a:ext cx="850232" cy="1107996"/>
+            <a:off x="0" y="5071885"/>
+            <a:ext cx="12192000" cy="923330"/>
           </a:xfrm>
           <a:prstGeom prst="rect">
             <a:avLst/>
@@ -3549,28 +4488,40 @@
           </a:bodyPr>
           <a:lstStyle/>
           <a:p>
-            <a:r>
-              <a:rPr lang="en-US" sz="6600" b="1" dirty="0"/>
-              <a:t>2</a:t>
-            </a:r>
-            <a:r>
-              <a:rPr lang="en-US" sz="6600" b="1" dirty="0" smtClean="0"/>
-              <a:t>.</a:t>
-            </a:r>
-            <a:endParaRPr lang="vi-VN" sz="6600" b="1" dirty="0"/>
+            <a:pPr algn="ctr"/>
+            <a:r>
+              <a:rPr lang="en-US" sz="5400" b="1" dirty="0" smtClean="0">
+                <a:solidFill>
+                  <a:srgbClr val="000066"/>
+                </a:solidFill>
+              </a:rPr>
+              <a:t>( 1 )</a:t>
+            </a:r>
+            <a:endParaRPr lang="vi-VN" sz="5400" b="1" dirty="0">
+              <a:solidFill>
+                <a:srgbClr val="000066"/>
+              </a:solidFill>
+            </a:endParaRPr>
           </a:p>
         </p:txBody>
       </p:sp>
     </p:spTree>
     <p:extLst>
       <p:ext uri="{BB962C8B-B14F-4D97-AF65-F5344CB8AC3E}">
-        <p14:creationId xmlns:p14="http://schemas.microsoft.com/office/powerpoint/2010/main" val="3317481997"/>
+        <p14:creationId xmlns:p14="http://schemas.microsoft.com/office/powerpoint/2010/main" val="2958117696"/>
       </p:ext>
     </p:extLst>
   </p:cSld>
   <p:clrMapOvr>
     <a:masterClrMapping/>
   </p:clrMapOvr>
+  <p:timing>
+    <p:tnLst>
+      <p:par>
+        <p:cTn id="1" dur="indefinite" restart="never" nodeType="tmRoot"/>
+      </p:par>
+    </p:tnLst>
+  </p:timing>
 </p:sld>
 </file>
 
@@ -3593,103 +4544,66 @@
       </p:grpSpPr>
       <p:sp>
         <p:nvSpPr>
-          <p:cNvPr id="2" name="Title 1"/>
-          <p:cNvSpPr>
-            <a:spLocks noGrp="1"/>
-          </p:cNvSpPr>
-          <p:nvPr>
-            <p:ph type="title"/>
-          </p:nvPr>
-        </p:nvSpPr>
-        <p:spPr/>
-        <p:txBody>
-          <a:bodyPr>
+          <p:cNvPr id="5" name="內容版面配置區 4"/>
+          <p:cNvSpPr>
+            <a:spLocks noGrp="1"/>
+          </p:cNvSpPr>
+          <p:nvPr>
+            <p:ph idx="1"/>
+          </p:nvPr>
+        </p:nvSpPr>
+        <p:spPr>
+          <a:xfrm>
+            <a:off x="0" y="2084851"/>
+            <a:ext cx="12192000" cy="2404863"/>
+          </a:xfrm>
+        </p:spPr>
+        <p:txBody>
+          <a:bodyPr anchor="ctr">
             <a:normAutofit/>
           </a:bodyPr>
           <a:lstStyle/>
           <a:p>
-            <a:r>
-              <a:rPr lang="zh-CN" altLang="en-US" sz="4800" b="1" dirty="0" smtClean="0">
+            <a:pPr marL="0" indent="0" algn="ctr">
+              <a:buNone/>
+            </a:pPr>
+            <a:r>
+              <a:rPr lang="zh-CN" altLang="en-US" sz="6400" b="1" dirty="0">
+                <a:solidFill>
+                  <a:srgbClr val="000066"/>
+                </a:solidFill>
                 <a:latin typeface="Microsoft JhengHei" panose="020B0604030504040204" pitchFamily="34" charset="-120"/>
                 <a:ea typeface="Microsoft JhengHei" panose="020B0604030504040204" pitchFamily="34" charset="-120"/>
               </a:rPr>
-              <a:t>全告知耶穌</a:t>
-            </a:r>
-            <a:endParaRPr lang="vi-VN" sz="4800" b="1" dirty="0">
+              <a:t>必告知耶穌  全告知耶穌</a:t>
+            </a:r>
+            <a:endParaRPr lang="en-US" altLang="zh-CN" sz="6400" b="1" dirty="0">
+              <a:solidFill>
+                <a:srgbClr val="000066"/>
+              </a:solidFill>
+              <a:latin typeface="Microsoft JhengHei" panose="020B0604030504040204" pitchFamily="34" charset="-120"/>
               <a:ea typeface="Microsoft JhengHei" panose="020B0604030504040204" pitchFamily="34" charset="-120"/>
             </a:endParaRPr>
           </a:p>
-        </p:txBody>
-      </p:sp>
-      <p:sp>
-        <p:nvSpPr>
-          <p:cNvPr id="3" name="Content Placeholder 2"/>
-          <p:cNvSpPr>
-            <a:spLocks noGrp="1"/>
-          </p:cNvSpPr>
-          <p:nvPr>
-            <p:ph idx="1"/>
-          </p:nvPr>
-        </p:nvSpPr>
-        <p:spPr/>
-        <p:txBody>
-          <a:bodyPr>
-            <a:normAutofit/>
-          </a:bodyPr>
-          <a:lstStyle/>
           <a:p>
             <a:pPr marL="0" indent="0" algn="ctr">
               <a:buNone/>
             </a:pPr>
             <a:r>
-              <a:rPr lang="zh-CN" altLang="en-US" sz="5400" b="1" dirty="0" smtClean="0">
-                <a:ea typeface="Microsoft JhengHei" panose="020B0604030504040204" pitchFamily="34" charset="-120"/>
-              </a:rPr>
-              <a:t>必告知耶穌  全告知耶穌</a:t>
-            </a:r>
-            <a:endParaRPr lang="en-US" altLang="zh-CN" sz="5400" b="1" dirty="0" smtClean="0">
-              <a:ea typeface="Microsoft JhengHei" panose="020B0604030504040204" pitchFamily="34" charset="-120"/>
-            </a:endParaRPr>
-          </a:p>
-          <a:p>
-            <a:pPr marL="0" indent="0" algn="ctr">
-              <a:buNone/>
-            </a:pPr>
-            <a:r>
-              <a:rPr lang="zh-CN" altLang="en-US" sz="5400" b="1" dirty="0" smtClean="0">
+              <a:rPr lang="zh-CN" altLang="en-US" sz="6400" b="1" dirty="0">
+                <a:solidFill>
+                  <a:srgbClr val="000066"/>
+                </a:solidFill>
+                <a:latin typeface="Microsoft JhengHei" panose="020B0604030504040204" pitchFamily="34" charset="-120"/>
                 <a:ea typeface="Microsoft JhengHei" panose="020B0604030504040204" pitchFamily="34" charset="-120"/>
               </a:rPr>
               <a:t>將我心中事向主傾吐</a:t>
             </a:r>
-            <a:endParaRPr lang="en-US" altLang="zh-CN" sz="5400" b="1" dirty="0" smtClean="0">
-              <a:ea typeface="Microsoft JhengHei" panose="020B0604030504040204" pitchFamily="34" charset="-120"/>
-            </a:endParaRPr>
-          </a:p>
-          <a:p>
-            <a:pPr marL="0" indent="0" algn="ctr">
-              <a:buNone/>
-            </a:pPr>
-            <a:r>
-              <a:rPr lang="zh-CN" altLang="en-US" sz="5400" b="1" dirty="0">
-                <a:ea typeface="Microsoft JhengHei" panose="020B0604030504040204" pitchFamily="34" charset="-120"/>
-              </a:rPr>
-              <a:t>必告知耶穌  全告知耶穌</a:t>
-            </a:r>
-            <a:endParaRPr lang="en-US" altLang="zh-CN" sz="5400" b="1" dirty="0">
-              <a:ea typeface="Microsoft JhengHei" panose="020B0604030504040204" pitchFamily="34" charset="-120"/>
-            </a:endParaRPr>
-          </a:p>
-          <a:p>
-            <a:pPr marL="0" indent="0" algn="ctr">
-              <a:buNone/>
-            </a:pPr>
-            <a:r>
-              <a:rPr lang="zh-CN" altLang="en-US" sz="5400" b="1" dirty="0" smtClean="0">
-                <a:ea typeface="Microsoft JhengHei" panose="020B0604030504040204" pitchFamily="34" charset="-120"/>
-              </a:rPr>
-              <a:t>惟主知我心善於體恤</a:t>
-            </a:r>
-            <a:endParaRPr lang="vi-VN" sz="5400" b="1" dirty="0">
+            <a:endParaRPr lang="en-US" altLang="zh-CN" sz="6400" b="1" dirty="0">
+              <a:solidFill>
+                <a:srgbClr val="000066"/>
+              </a:solidFill>
+              <a:latin typeface="Microsoft JhengHei" panose="020B0604030504040204" pitchFamily="34" charset="-120"/>
               <a:ea typeface="Microsoft JhengHei" panose="020B0604030504040204" pitchFamily="34" charset="-120"/>
             </a:endParaRPr>
           </a:p>
@@ -3698,13 +4612,20 @@
     </p:spTree>
     <p:extLst>
       <p:ext uri="{BB962C8B-B14F-4D97-AF65-F5344CB8AC3E}">
-        <p14:creationId xmlns:p14="http://schemas.microsoft.com/office/powerpoint/2010/main" val="3632197444"/>
+        <p14:creationId xmlns:p14="http://schemas.microsoft.com/office/powerpoint/2010/main" val="2999927471"/>
       </p:ext>
     </p:extLst>
   </p:cSld>
   <p:clrMapOvr>
     <a:masterClrMapping/>
   </p:clrMapOvr>
+  <p:timing>
+    <p:tnLst>
+      <p:par>
+        <p:cTn id="1" dur="indefinite" restart="never" nodeType="tmRoot"/>
+      </p:par>
+    </p:tnLst>
+  </p:timing>
 </p:sld>
 </file>
 
@@ -3727,169 +4648,88 @@
       </p:grpSpPr>
       <p:sp>
         <p:nvSpPr>
-          <p:cNvPr id="2" name="Title 1"/>
-          <p:cNvSpPr>
-            <a:spLocks noGrp="1"/>
-          </p:cNvSpPr>
-          <p:nvPr>
-            <p:ph type="title"/>
-          </p:nvPr>
-        </p:nvSpPr>
-        <p:spPr/>
-        <p:txBody>
-          <a:bodyPr>
+          <p:cNvPr id="5" name="內容版面配置區 4"/>
+          <p:cNvSpPr>
+            <a:spLocks noGrp="1"/>
+          </p:cNvSpPr>
+          <p:nvPr>
+            <p:ph idx="1"/>
+          </p:nvPr>
+        </p:nvSpPr>
+        <p:spPr>
+          <a:xfrm>
+            <a:off x="0" y="2084851"/>
+            <a:ext cx="12192000" cy="2404863"/>
+          </a:xfrm>
+        </p:spPr>
+        <p:txBody>
+          <a:bodyPr anchor="ctr">
             <a:normAutofit/>
           </a:bodyPr>
           <a:lstStyle/>
           <a:p>
-            <a:r>
-              <a:rPr lang="zh-CN" altLang="en-US" sz="4800" b="1" dirty="0" smtClean="0">
+            <a:pPr marL="0" indent="0" algn="ctr">
+              <a:buNone/>
+            </a:pPr>
+            <a:r>
+              <a:rPr lang="zh-CN" altLang="en-US" sz="6400" b="1" dirty="0">
+                <a:solidFill>
+                  <a:srgbClr val="000066"/>
+                </a:solidFill>
                 <a:latin typeface="Microsoft JhengHei" panose="020B0604030504040204" pitchFamily="34" charset="-120"/>
                 <a:ea typeface="Microsoft JhengHei" panose="020B0604030504040204" pitchFamily="34" charset="-120"/>
               </a:rPr>
-              <a:t>全告知耶穌</a:t>
-            </a:r>
-            <a:endParaRPr lang="vi-VN" sz="4800" b="1" dirty="0">
+              <a:t>必告知耶穌  全告知耶穌</a:t>
+            </a:r>
+            <a:endParaRPr lang="en-US" altLang="zh-CN" sz="6400" b="1" dirty="0">
+              <a:solidFill>
+                <a:srgbClr val="000066"/>
+              </a:solidFill>
+              <a:latin typeface="Microsoft JhengHei" panose="020B0604030504040204" pitchFamily="34" charset="-120"/>
               <a:ea typeface="Microsoft JhengHei" panose="020B0604030504040204" pitchFamily="34" charset="-120"/>
             </a:endParaRPr>
           </a:p>
-        </p:txBody>
-      </p:sp>
-      <p:sp>
-        <p:nvSpPr>
-          <p:cNvPr id="3" name="Content Placeholder 2"/>
-          <p:cNvSpPr>
-            <a:spLocks noGrp="1"/>
-          </p:cNvSpPr>
-          <p:nvPr>
-            <p:ph idx="1"/>
-          </p:nvPr>
-        </p:nvSpPr>
-        <p:spPr/>
-        <p:txBody>
-          <a:bodyPr>
-            <a:normAutofit/>
-          </a:bodyPr>
-          <a:lstStyle/>
           <a:p>
             <a:pPr marL="0" indent="0" algn="ctr">
               <a:buNone/>
             </a:pPr>
             <a:r>
-              <a:rPr lang="zh-CN" altLang="en-US" sz="5400" b="1" dirty="0" smtClean="0">
+              <a:rPr lang="zh-CN" altLang="en-US" sz="6400" b="1" dirty="0">
+                <a:solidFill>
+                  <a:srgbClr val="000066"/>
+                </a:solidFill>
                 <a:latin typeface="Microsoft JhengHei" panose="020B0604030504040204" pitchFamily="34" charset="-120"/>
                 <a:ea typeface="Microsoft JhengHei" panose="020B0604030504040204" pitchFamily="34" charset="-120"/>
               </a:rPr>
-              <a:t>今將我試誘  全告知耶穌</a:t>
-            </a:r>
-            <a:endParaRPr lang="en-US" altLang="zh-CN" sz="5400" b="1" dirty="0" smtClean="0">
+              <a:t>惟主知我心善於體恤</a:t>
+            </a:r>
+            <a:endParaRPr lang="vi-VN" sz="6400" b="1" dirty="0">
+              <a:solidFill>
+                <a:srgbClr val="000066"/>
+              </a:solidFill>
               <a:latin typeface="Microsoft JhengHei" panose="020B0604030504040204" pitchFamily="34" charset="-120"/>
               <a:ea typeface="Microsoft JhengHei" panose="020B0604030504040204" pitchFamily="34" charset="-120"/>
             </a:endParaRPr>
           </a:p>
-          <a:p>
-            <a:pPr marL="0" indent="0" algn="ctr">
-              <a:buNone/>
-            </a:pPr>
-            <a:r>
-              <a:rPr lang="zh-CN" altLang="en-US" sz="5400" b="1" dirty="0" smtClean="0">
-                <a:latin typeface="Microsoft JhengHei" panose="020B0604030504040204" pitchFamily="34" charset="-120"/>
-                <a:ea typeface="Microsoft JhengHei" panose="020B0604030504040204" pitchFamily="34" charset="-120"/>
-              </a:rPr>
-              <a:t>我不能獨自制勝罪慾</a:t>
-            </a:r>
-            <a:endParaRPr lang="en-US" altLang="zh-CN" sz="5400" b="1" dirty="0" smtClean="0">
-              <a:latin typeface="Microsoft JhengHei" panose="020B0604030504040204" pitchFamily="34" charset="-120"/>
-              <a:ea typeface="Microsoft JhengHei" panose="020B0604030504040204" pitchFamily="34" charset="-120"/>
-            </a:endParaRPr>
-          </a:p>
-          <a:p>
-            <a:pPr marL="0" indent="0" algn="ctr">
-              <a:buNone/>
-            </a:pPr>
-            <a:r>
-              <a:rPr lang="zh-CN" altLang="en-US" sz="5400" b="1" dirty="0" smtClean="0">
-                <a:latin typeface="Microsoft JhengHei" panose="020B0604030504040204" pitchFamily="34" charset="-120"/>
-                <a:ea typeface="Microsoft JhengHei" panose="020B0604030504040204" pitchFamily="34" charset="-120"/>
-              </a:rPr>
-              <a:t>主會受試探  與我們無殊</a:t>
-            </a:r>
-            <a:endParaRPr lang="en-US" altLang="zh-CN" sz="5400" b="1" dirty="0" smtClean="0">
-              <a:latin typeface="Microsoft JhengHei" panose="020B0604030504040204" pitchFamily="34" charset="-120"/>
-              <a:ea typeface="Microsoft JhengHei" panose="020B0604030504040204" pitchFamily="34" charset="-120"/>
-            </a:endParaRPr>
-          </a:p>
-          <a:p>
-            <a:pPr marL="0" indent="0" algn="ctr">
-              <a:buNone/>
-            </a:pPr>
-            <a:r>
-              <a:rPr lang="zh-CN" altLang="en-US" sz="5400" b="1" dirty="0">
-                <a:latin typeface="Microsoft JhengHei" panose="020B0604030504040204" pitchFamily="34" charset="-120"/>
-                <a:ea typeface="Microsoft JhengHei" panose="020B0604030504040204" pitchFamily="34" charset="-120"/>
-              </a:rPr>
-              <a:t>樂助</a:t>
-            </a:r>
-            <a:r>
-              <a:rPr lang="zh-CN" altLang="en-US" sz="5400" b="1" dirty="0" smtClean="0">
-                <a:latin typeface="Microsoft JhengHei" panose="020B0604030504040204" pitchFamily="34" charset="-120"/>
-                <a:ea typeface="Microsoft JhengHei" panose="020B0604030504040204" pitchFamily="34" charset="-120"/>
-              </a:rPr>
-              <a:t>我膂</a:t>
-            </a:r>
-            <a:r>
-              <a:rPr lang="zh-CN" altLang="en-US" sz="5400" b="1" dirty="0">
-                <a:latin typeface="Microsoft JhengHei" panose="020B0604030504040204" pitchFamily="34" charset="-120"/>
-                <a:ea typeface="Microsoft JhengHei" panose="020B0604030504040204" pitchFamily="34" charset="-120"/>
-              </a:rPr>
-              <a:t>力得勝有餘</a:t>
-            </a:r>
-            <a:endParaRPr lang="vi-VN" sz="5400" b="1" dirty="0">
-              <a:ea typeface="Microsoft JhengHei" panose="020B0604030504040204" pitchFamily="34" charset="-120"/>
-            </a:endParaRPr>
-          </a:p>
-        </p:txBody>
-      </p:sp>
-      <p:sp>
-        <p:nvSpPr>
-          <p:cNvPr id="5" name="TextBox 4"/>
-          <p:cNvSpPr txBox="1"/>
-          <p:nvPr/>
-        </p:nvSpPr>
-        <p:spPr>
-          <a:xfrm>
-            <a:off x="882316" y="1600201"/>
-            <a:ext cx="850232" cy="1107996"/>
-          </a:xfrm>
-          <a:prstGeom prst="rect">
-            <a:avLst/>
-          </a:prstGeom>
-          <a:noFill/>
-        </p:spPr>
-        <p:txBody>
-          <a:bodyPr wrap="square" rtlCol="0">
-            <a:spAutoFit/>
-          </a:bodyPr>
-          <a:lstStyle/>
-          <a:p>
-            <a:r>
-              <a:rPr lang="en-US" sz="6600" b="1" dirty="0" smtClean="0"/>
-              <a:t>3.</a:t>
-            </a:r>
-            <a:endParaRPr lang="vi-VN" sz="6600" b="1" dirty="0"/>
-          </a:p>
         </p:txBody>
       </p:sp>
     </p:spTree>
     <p:extLst>
       <p:ext uri="{BB962C8B-B14F-4D97-AF65-F5344CB8AC3E}">
-        <p14:creationId xmlns:p14="http://schemas.microsoft.com/office/powerpoint/2010/main" val="3305674136"/>
+        <p14:creationId xmlns:p14="http://schemas.microsoft.com/office/powerpoint/2010/main" val="2751514151"/>
       </p:ext>
     </p:extLst>
   </p:cSld>
   <p:clrMapOvr>
     <a:masterClrMapping/>
   </p:clrMapOvr>
+  <p:timing>
+    <p:tnLst>
+      <p:par>
+        <p:cTn id="1" dur="indefinite" restart="never" nodeType="tmRoot"/>
+      </p:par>
+    </p:tnLst>
+  </p:timing>
 </p:sld>
 </file>
 
@@ -3912,104 +4752,106 @@
       </p:grpSpPr>
       <p:sp>
         <p:nvSpPr>
-          <p:cNvPr id="2" name="Title 1"/>
-          <p:cNvSpPr>
-            <a:spLocks noGrp="1"/>
-          </p:cNvSpPr>
-          <p:nvPr>
-            <p:ph type="title"/>
-          </p:nvPr>
-        </p:nvSpPr>
-        <p:spPr/>
-        <p:txBody>
-          <a:bodyPr>
+          <p:cNvPr id="5" name="內容版面配置區 4"/>
+          <p:cNvSpPr>
+            <a:spLocks noGrp="1"/>
+          </p:cNvSpPr>
+          <p:nvPr>
+            <p:ph idx="1"/>
+          </p:nvPr>
+        </p:nvSpPr>
+        <p:spPr>
+          <a:xfrm>
+            <a:off x="0" y="2084851"/>
+            <a:ext cx="12192000" cy="2404863"/>
+          </a:xfrm>
+        </p:spPr>
+        <p:txBody>
+          <a:bodyPr anchor="ctr">
             <a:normAutofit/>
           </a:bodyPr>
           <a:lstStyle/>
           <a:p>
-            <a:r>
-              <a:rPr lang="zh-CN" altLang="en-US" sz="4800" b="1" dirty="0" smtClean="0">
+            <a:pPr marL="0" indent="0" algn="ctr">
+              <a:buNone/>
+            </a:pPr>
+            <a:r>
+              <a:rPr lang="zh-CN" altLang="en-US" sz="6400" b="1" dirty="0">
+                <a:solidFill>
+                  <a:srgbClr val="000066"/>
+                </a:solidFill>
                 <a:latin typeface="Microsoft JhengHei" panose="020B0604030504040204" pitchFamily="34" charset="-120"/>
                 <a:ea typeface="Microsoft JhengHei" panose="020B0604030504040204" pitchFamily="34" charset="-120"/>
               </a:rPr>
-              <a:t>全告知耶穌</a:t>
-            </a:r>
-            <a:endParaRPr lang="vi-VN" sz="4800" b="1" dirty="0">
+              <a:t>今將我缺欠  全告知耶穌</a:t>
+            </a:r>
+            <a:endParaRPr lang="en-US" altLang="zh-CN" sz="6400" b="1" dirty="0">
+              <a:solidFill>
+                <a:srgbClr val="000066"/>
+              </a:solidFill>
+              <a:latin typeface="Microsoft JhengHei" panose="020B0604030504040204" pitchFamily="34" charset="-120"/>
               <a:ea typeface="Microsoft JhengHei" panose="020B0604030504040204" pitchFamily="34" charset="-120"/>
             </a:endParaRPr>
           </a:p>
-        </p:txBody>
-      </p:sp>
-      <p:sp>
-        <p:nvSpPr>
-          <p:cNvPr id="3" name="Content Placeholder 2"/>
-          <p:cNvSpPr>
-            <a:spLocks noGrp="1"/>
-          </p:cNvSpPr>
-          <p:nvPr>
-            <p:ph idx="1"/>
-          </p:nvPr>
-        </p:nvSpPr>
-        <p:spPr/>
-        <p:txBody>
-          <a:bodyPr>
-            <a:normAutofit/>
-          </a:bodyPr>
-          <a:lstStyle/>
           <a:p>
             <a:pPr marL="0" indent="0" algn="ctr">
               <a:buNone/>
             </a:pPr>
             <a:r>
-              <a:rPr lang="zh-CN" altLang="en-US" sz="5400" b="1" dirty="0" smtClean="0">
+              <a:rPr lang="zh-CN" altLang="en-US" sz="6400" b="1" dirty="0">
+                <a:solidFill>
+                  <a:srgbClr val="000066"/>
+                </a:solidFill>
+                <a:latin typeface="Microsoft JhengHei" panose="020B0604030504040204" pitchFamily="34" charset="-120"/>
                 <a:ea typeface="Microsoft JhengHei" panose="020B0604030504040204" pitchFamily="34" charset="-120"/>
               </a:rPr>
-              <a:t>必告知耶穌  全告知耶穌</a:t>
-            </a:r>
-            <a:endParaRPr lang="en-US" altLang="zh-CN" sz="5400" b="1" dirty="0" smtClean="0">
+              <a:t>我不能獨自補我不足</a:t>
+            </a:r>
+            <a:endParaRPr lang="en-US" altLang="zh-CN" sz="6400" b="1" dirty="0">
+              <a:solidFill>
+                <a:srgbClr val="000066"/>
+              </a:solidFill>
+              <a:latin typeface="Microsoft JhengHei" panose="020B0604030504040204" pitchFamily="34" charset="-120"/>
               <a:ea typeface="Microsoft JhengHei" panose="020B0604030504040204" pitchFamily="34" charset="-120"/>
             </a:endParaRPr>
           </a:p>
-          <a:p>
-            <a:pPr marL="0" indent="0" algn="ctr">
-              <a:buNone/>
-            </a:pPr>
-            <a:r>
-              <a:rPr lang="zh-CN" altLang="en-US" sz="5400" b="1" dirty="0" smtClean="0">
-                <a:ea typeface="Microsoft JhengHei" panose="020B0604030504040204" pitchFamily="34" charset="-120"/>
+        </p:txBody>
+      </p:sp>
+      <p:sp>
+        <p:nvSpPr>
+          <p:cNvPr id="3" name="TextBox 2"/>
+          <p:cNvSpPr txBox="1"/>
+          <p:nvPr/>
+        </p:nvSpPr>
+        <p:spPr>
+          <a:xfrm>
+            <a:off x="0" y="5071885"/>
+            <a:ext cx="12192000" cy="923330"/>
+          </a:xfrm>
+          <a:prstGeom prst="rect">
+            <a:avLst/>
+          </a:prstGeom>
+          <a:noFill/>
+        </p:spPr>
+        <p:txBody>
+          <a:bodyPr wrap="square" rtlCol="0">
+            <a:spAutoFit/>
+          </a:bodyPr>
+          <a:lstStyle/>
+          <a:p>
+            <a:pPr algn="ctr"/>
+            <a:r>
+              <a:rPr lang="en-US" sz="5400" b="1" dirty="0" smtClean="0">
+                <a:solidFill>
+                  <a:srgbClr val="000066"/>
+                </a:solidFill>
               </a:rPr>
-              <a:t>將我心中事向主傾吐</a:t>
-            </a:r>
-            <a:endParaRPr lang="en-US" altLang="zh-CN" sz="5400" b="1" dirty="0" smtClean="0">
-              <a:ea typeface="Microsoft JhengHei" panose="020B0604030504040204" pitchFamily="34" charset="-120"/>
-            </a:endParaRPr>
-          </a:p>
-          <a:p>
-            <a:pPr marL="0" indent="0" algn="ctr">
-              <a:buNone/>
-            </a:pPr>
-            <a:r>
-              <a:rPr lang="zh-CN" altLang="en-US" sz="5400" b="1" dirty="0">
-                <a:ea typeface="Microsoft JhengHei" panose="020B0604030504040204" pitchFamily="34" charset="-120"/>
-              </a:rPr>
-              <a:t>必告知耶穌  全告知耶穌</a:t>
-            </a:r>
-            <a:endParaRPr lang="en-US" altLang="zh-CN" sz="5400" b="1" dirty="0">
-              <a:ea typeface="Microsoft JhengHei" panose="020B0604030504040204" pitchFamily="34" charset="-120"/>
-            </a:endParaRPr>
-          </a:p>
-          <a:p>
-            <a:pPr marL="0" indent="0" algn="ctr">
-              <a:buNone/>
-            </a:pPr>
-            <a:r>
-              <a:rPr lang="zh-CN" altLang="en-US" sz="5400" b="1" dirty="0" smtClean="0">
-                <a:ea typeface="Microsoft JhengHei" panose="020B0604030504040204" pitchFamily="34" charset="-120"/>
-              </a:rPr>
-              <a:t>惟主知我心善於體恤</a:t>
+              <a:t>( 2 )</a:t>
             </a:r>
             <a:endParaRPr lang="vi-VN" sz="5400" b="1" dirty="0">
-              <a:ea typeface="Microsoft JhengHei" panose="020B0604030504040204" pitchFamily="34" charset="-120"/>
+              <a:solidFill>
+                <a:srgbClr val="000066"/>
+              </a:solidFill>
             </a:endParaRPr>
           </a:p>
         </p:txBody>
@@ -4017,13 +4859,20 @@
     </p:spTree>
     <p:extLst>
       <p:ext uri="{BB962C8B-B14F-4D97-AF65-F5344CB8AC3E}">
-        <p14:creationId xmlns:p14="http://schemas.microsoft.com/office/powerpoint/2010/main" val="340163623"/>
+        <p14:creationId xmlns:p14="http://schemas.microsoft.com/office/powerpoint/2010/main" val="1607312750"/>
       </p:ext>
     </p:extLst>
   </p:cSld>
   <p:clrMapOvr>
     <a:masterClrMapping/>
   </p:clrMapOvr>
+  <p:timing>
+    <p:tnLst>
+      <p:par>
+        <p:cTn id="1" dur="indefinite" restart="never" nodeType="tmRoot"/>
+      </p:par>
+    </p:tnLst>
+  </p:timing>
 </p:sld>
 </file>
 
@@ -4046,146 +4895,81 @@
       </p:grpSpPr>
       <p:sp>
         <p:nvSpPr>
-          <p:cNvPr id="2" name="Title 1"/>
-          <p:cNvSpPr>
-            <a:spLocks noGrp="1"/>
-          </p:cNvSpPr>
-          <p:nvPr>
-            <p:ph type="title"/>
-          </p:nvPr>
-        </p:nvSpPr>
-        <p:spPr/>
-        <p:txBody>
-          <a:bodyPr>
+          <p:cNvPr id="5" name="內容版面配置區 4"/>
+          <p:cNvSpPr>
+            <a:spLocks noGrp="1"/>
+          </p:cNvSpPr>
+          <p:nvPr>
+            <p:ph idx="1"/>
+          </p:nvPr>
+        </p:nvSpPr>
+        <p:spPr>
+          <a:xfrm>
+            <a:off x="0" y="2084851"/>
+            <a:ext cx="12192000" cy="2404863"/>
+          </a:xfrm>
+        </p:spPr>
+        <p:txBody>
+          <a:bodyPr anchor="ctr">
             <a:normAutofit/>
           </a:bodyPr>
           <a:lstStyle/>
           <a:p>
-            <a:r>
-              <a:rPr lang="zh-CN" altLang="en-US" sz="4800" b="1" dirty="0" smtClean="0">
+            <a:pPr marL="0" indent="0" algn="ctr">
+              <a:buNone/>
+            </a:pPr>
+            <a:r>
+              <a:rPr lang="zh-CN" altLang="en-US" sz="6400" b="1" dirty="0">
+                <a:solidFill>
+                  <a:srgbClr val="000066"/>
+                </a:solidFill>
                 <a:latin typeface="Microsoft JhengHei" panose="020B0604030504040204" pitchFamily="34" charset="-120"/>
                 <a:ea typeface="Microsoft JhengHei" panose="020B0604030504040204" pitchFamily="34" charset="-120"/>
               </a:rPr>
-              <a:t>全告知耶穌</a:t>
-            </a:r>
-            <a:endParaRPr lang="vi-VN" sz="4800" b="1" dirty="0">
+              <a:t>我所有弱點  惟主能幫助</a:t>
+            </a:r>
+            <a:endParaRPr lang="en-US" altLang="zh-CN" sz="6400" b="1" dirty="0">
+              <a:solidFill>
+                <a:srgbClr val="000066"/>
+              </a:solidFill>
+              <a:latin typeface="Microsoft JhengHei" panose="020B0604030504040204" pitchFamily="34" charset="-120"/>
               <a:ea typeface="Microsoft JhengHei" panose="020B0604030504040204" pitchFamily="34" charset="-120"/>
             </a:endParaRPr>
           </a:p>
-        </p:txBody>
-      </p:sp>
-      <p:sp>
-        <p:nvSpPr>
-          <p:cNvPr id="3" name="Content Placeholder 2"/>
-          <p:cNvSpPr>
-            <a:spLocks noGrp="1"/>
-          </p:cNvSpPr>
-          <p:nvPr>
-            <p:ph idx="1"/>
-          </p:nvPr>
-        </p:nvSpPr>
-        <p:spPr/>
-        <p:txBody>
-          <a:bodyPr>
-            <a:normAutofit/>
-          </a:bodyPr>
-          <a:lstStyle/>
           <a:p>
             <a:pPr marL="0" indent="0" algn="ctr">
               <a:buNone/>
             </a:pPr>
             <a:r>
-              <a:rPr lang="zh-CN" altLang="en-US" sz="5400" b="1" dirty="0" smtClean="0">
+              <a:rPr lang="zh-CN" altLang="en-US" sz="6400" b="1" dirty="0">
+                <a:solidFill>
+                  <a:srgbClr val="000066"/>
+                </a:solidFill>
                 <a:latin typeface="Microsoft JhengHei" panose="020B0604030504040204" pitchFamily="34" charset="-120"/>
                 <a:ea typeface="Microsoft JhengHei" panose="020B0604030504040204" pitchFamily="34" charset="-120"/>
               </a:rPr>
-              <a:t>今</a:t>
-            </a:r>
-            <a:r>
-              <a:rPr lang="zh-CN" altLang="en-US" sz="5400" b="1" dirty="0">
-                <a:latin typeface="Microsoft JhengHei" panose="020B0604030504040204" pitchFamily="34" charset="-120"/>
-                <a:ea typeface="Microsoft JhengHei" panose="020B0604030504040204" pitchFamily="34" charset="-120"/>
-              </a:rPr>
-              <a:t>將我</a:t>
-            </a:r>
-            <a:r>
-              <a:rPr lang="zh-CN" altLang="en-US" sz="5400" b="1" dirty="0" smtClean="0">
-                <a:latin typeface="Microsoft JhengHei" panose="020B0604030504040204" pitchFamily="34" charset="-120"/>
-                <a:ea typeface="Microsoft JhengHei" panose="020B0604030504040204" pitchFamily="34" charset="-120"/>
-              </a:rPr>
-              <a:t>重担  全告知耶穌</a:t>
-            </a:r>
-            <a:endParaRPr lang="en-US" altLang="zh-CN" sz="5400" b="1" dirty="0" smtClean="0">
+              <a:t>終必救我到完美地步</a:t>
+            </a:r>
+            <a:endParaRPr lang="vi-VN" sz="6400" b="1" dirty="0">
+              <a:solidFill>
+                <a:srgbClr val="000066"/>
+              </a:solidFill>
               <a:latin typeface="Microsoft JhengHei" panose="020B0604030504040204" pitchFamily="34" charset="-120"/>
               <a:ea typeface="Microsoft JhengHei" panose="020B0604030504040204" pitchFamily="34" charset="-120"/>
             </a:endParaRPr>
           </a:p>
-          <a:p>
-            <a:pPr marL="0" indent="0" algn="ctr">
-              <a:buNone/>
-            </a:pPr>
-            <a:r>
-              <a:rPr lang="zh-CN" altLang="en-US" sz="5400" b="1" dirty="0" smtClean="0">
-                <a:latin typeface="Microsoft JhengHei" panose="020B0604030504040204" pitchFamily="34" charset="-120"/>
-                <a:ea typeface="Microsoft JhengHei" panose="020B0604030504040204" pitchFamily="34" charset="-120"/>
-              </a:rPr>
-              <a:t>我不能獨自勝此勞苦</a:t>
-            </a:r>
-            <a:endParaRPr lang="en-US" altLang="zh-CN" sz="5400" b="1" dirty="0" smtClean="0">
-              <a:latin typeface="Microsoft JhengHei" panose="020B0604030504040204" pitchFamily="34" charset="-120"/>
-              <a:ea typeface="Microsoft JhengHei" panose="020B0604030504040204" pitchFamily="34" charset="-120"/>
-            </a:endParaRPr>
-          </a:p>
-          <a:p>
-            <a:pPr marL="0" indent="0" algn="ctr">
-              <a:buNone/>
-            </a:pPr>
-            <a:r>
-              <a:rPr lang="zh-CN" altLang="en-US" sz="5400" b="1" dirty="0">
-                <a:latin typeface="Microsoft JhengHei" panose="020B0604030504040204" pitchFamily="34" charset="-120"/>
-                <a:ea typeface="Microsoft JhengHei" panose="020B0604030504040204" pitchFamily="34" charset="-120"/>
-              </a:rPr>
-              <a:t>我一</a:t>
-            </a:r>
-            <a:r>
-              <a:rPr lang="zh-CN" altLang="en-US" sz="5400" b="1" dirty="0" smtClean="0">
-                <a:latin typeface="Microsoft JhengHei" panose="020B0604030504040204" pitchFamily="34" charset="-120"/>
-                <a:ea typeface="Microsoft JhengHei" panose="020B0604030504040204" pitchFamily="34" charset="-120"/>
-              </a:rPr>
-              <a:t>切事務  主樂於担負</a:t>
-            </a:r>
-            <a:endParaRPr lang="en-US" altLang="zh-CN" sz="5400" b="1" dirty="0" smtClean="0">
-              <a:latin typeface="Microsoft JhengHei" panose="020B0604030504040204" pitchFamily="34" charset="-120"/>
-              <a:ea typeface="Microsoft JhengHei" panose="020B0604030504040204" pitchFamily="34" charset="-120"/>
-            </a:endParaRPr>
-          </a:p>
-          <a:p>
-            <a:pPr marL="0" indent="0" algn="ctr">
-              <a:buNone/>
-            </a:pPr>
-            <a:r>
-              <a:rPr lang="zh-CN" altLang="en-US" sz="5400" b="1" dirty="0" smtClean="0">
-                <a:latin typeface="Microsoft JhengHei" panose="020B0604030504040204" pitchFamily="34" charset="-120"/>
-                <a:ea typeface="Microsoft JhengHei" panose="020B0604030504040204" pitchFamily="34" charset="-120"/>
-              </a:rPr>
-              <a:t>甘作我密友時相幫助</a:t>
-            </a:r>
-            <a:endParaRPr lang="vi-VN" sz="5400" b="1" dirty="0">
-              <a:ea typeface="Microsoft JhengHei" panose="020B0604030504040204" pitchFamily="34" charset="-120"/>
-            </a:endParaRPr>
-          </a:p>
-        </p:txBody>
-      </p:sp>
-      <p:sp>
-        <p:nvSpPr>
-          <p:cNvPr id="5" name="TextBox 4"/>
+        </p:txBody>
+      </p:sp>
+      <p:sp>
+        <p:nvSpPr>
+          <p:cNvPr id="3" name="TextBox 2"/>
           <p:cNvSpPr txBox="1"/>
           <p:nvPr/>
         </p:nvSpPr>
         <p:spPr>
           <a:xfrm>
-            <a:off x="882316" y="1600201"/>
-            <a:ext cx="850232" cy="1107996"/>
+            <a:off x="0" y="5071885"/>
+            <a:ext cx="12192000" cy="923330"/>
           </a:xfrm>
           <a:prstGeom prst="rect">
             <a:avLst/>
@@ -4198,28 +4982,40 @@
           </a:bodyPr>
           <a:lstStyle/>
           <a:p>
-            <a:r>
-              <a:rPr lang="en-US" sz="6600" b="1" dirty="0"/>
-              <a:t>4</a:t>
-            </a:r>
-            <a:r>
-              <a:rPr lang="en-US" sz="6600" b="1" dirty="0" smtClean="0"/>
-              <a:t>.</a:t>
-            </a:r>
-            <a:endParaRPr lang="vi-VN" sz="6600" b="1" dirty="0"/>
+            <a:pPr algn="ctr"/>
+            <a:r>
+              <a:rPr lang="en-US" sz="5400" b="1" dirty="0" smtClean="0">
+                <a:solidFill>
+                  <a:srgbClr val="000066"/>
+                </a:solidFill>
+              </a:rPr>
+              <a:t>( 2 )</a:t>
+            </a:r>
+            <a:endParaRPr lang="vi-VN" sz="5400" b="1" dirty="0">
+              <a:solidFill>
+                <a:srgbClr val="000066"/>
+              </a:solidFill>
+            </a:endParaRPr>
           </a:p>
         </p:txBody>
       </p:sp>
     </p:spTree>
     <p:extLst>
       <p:ext uri="{BB962C8B-B14F-4D97-AF65-F5344CB8AC3E}">
-        <p14:creationId xmlns:p14="http://schemas.microsoft.com/office/powerpoint/2010/main" val="4211962665"/>
+        <p14:creationId xmlns:p14="http://schemas.microsoft.com/office/powerpoint/2010/main" val="3807481253"/>
       </p:ext>
     </p:extLst>
   </p:cSld>
   <p:clrMapOvr>
     <a:masterClrMapping/>
   </p:clrMapOvr>
+  <p:timing>
+    <p:tnLst>
+      <p:par>
+        <p:cTn id="1" dur="indefinite" restart="never" nodeType="tmRoot"/>
+      </p:par>
+    </p:tnLst>
+  </p:timing>
 </p:sld>
 </file>
 
@@ -4242,103 +5038,66 @@
       </p:grpSpPr>
       <p:sp>
         <p:nvSpPr>
-          <p:cNvPr id="2" name="Title 1"/>
-          <p:cNvSpPr>
-            <a:spLocks noGrp="1"/>
-          </p:cNvSpPr>
-          <p:nvPr>
-            <p:ph type="title"/>
-          </p:nvPr>
-        </p:nvSpPr>
-        <p:spPr/>
-        <p:txBody>
-          <a:bodyPr>
+          <p:cNvPr id="5" name="內容版面配置區 4"/>
+          <p:cNvSpPr>
+            <a:spLocks noGrp="1"/>
+          </p:cNvSpPr>
+          <p:nvPr>
+            <p:ph idx="1"/>
+          </p:nvPr>
+        </p:nvSpPr>
+        <p:spPr>
+          <a:xfrm>
+            <a:off x="0" y="2084851"/>
+            <a:ext cx="12192000" cy="2404863"/>
+          </a:xfrm>
+        </p:spPr>
+        <p:txBody>
+          <a:bodyPr anchor="ctr">
             <a:normAutofit/>
           </a:bodyPr>
           <a:lstStyle/>
           <a:p>
-            <a:r>
-              <a:rPr lang="zh-CN" altLang="en-US" sz="4800" b="1" dirty="0" smtClean="0">
+            <a:pPr marL="0" indent="0" algn="ctr">
+              <a:buNone/>
+            </a:pPr>
+            <a:r>
+              <a:rPr lang="zh-CN" altLang="en-US" sz="6400" b="1" dirty="0">
+                <a:solidFill>
+                  <a:srgbClr val="000066"/>
+                </a:solidFill>
                 <a:latin typeface="Microsoft JhengHei" panose="020B0604030504040204" pitchFamily="34" charset="-120"/>
                 <a:ea typeface="Microsoft JhengHei" panose="020B0604030504040204" pitchFamily="34" charset="-120"/>
               </a:rPr>
-              <a:t>全告知耶穌</a:t>
-            </a:r>
-            <a:endParaRPr lang="vi-VN" sz="4800" b="1" dirty="0">
+              <a:t>必告知耶穌  全告知耶穌</a:t>
+            </a:r>
+            <a:endParaRPr lang="en-US" altLang="zh-CN" sz="6400" b="1" dirty="0">
+              <a:solidFill>
+                <a:srgbClr val="000066"/>
+              </a:solidFill>
+              <a:latin typeface="Microsoft JhengHei" panose="020B0604030504040204" pitchFamily="34" charset="-120"/>
               <a:ea typeface="Microsoft JhengHei" panose="020B0604030504040204" pitchFamily="34" charset="-120"/>
             </a:endParaRPr>
           </a:p>
-        </p:txBody>
-      </p:sp>
-      <p:sp>
-        <p:nvSpPr>
-          <p:cNvPr id="3" name="Content Placeholder 2"/>
-          <p:cNvSpPr>
-            <a:spLocks noGrp="1"/>
-          </p:cNvSpPr>
-          <p:nvPr>
-            <p:ph idx="1"/>
-          </p:nvPr>
-        </p:nvSpPr>
-        <p:spPr/>
-        <p:txBody>
-          <a:bodyPr>
-            <a:normAutofit/>
-          </a:bodyPr>
-          <a:lstStyle/>
           <a:p>
             <a:pPr marL="0" indent="0" algn="ctr">
               <a:buNone/>
             </a:pPr>
             <a:r>
-              <a:rPr lang="zh-CN" altLang="en-US" sz="5400" b="1" dirty="0" smtClean="0">
-                <a:ea typeface="Microsoft JhengHei" panose="020B0604030504040204" pitchFamily="34" charset="-120"/>
-              </a:rPr>
-              <a:t>必告知耶穌  全告知耶穌</a:t>
-            </a:r>
-            <a:endParaRPr lang="en-US" altLang="zh-CN" sz="5400" b="1" dirty="0" smtClean="0">
-              <a:ea typeface="Microsoft JhengHei" panose="020B0604030504040204" pitchFamily="34" charset="-120"/>
-            </a:endParaRPr>
-          </a:p>
-          <a:p>
-            <a:pPr marL="0" indent="0" algn="ctr">
-              <a:buNone/>
-            </a:pPr>
-            <a:r>
-              <a:rPr lang="zh-CN" altLang="en-US" sz="5400" b="1" dirty="0" smtClean="0">
+              <a:rPr lang="zh-CN" altLang="en-US" sz="6400" b="1" dirty="0">
+                <a:solidFill>
+                  <a:srgbClr val="000066"/>
+                </a:solidFill>
+                <a:latin typeface="Microsoft JhengHei" panose="020B0604030504040204" pitchFamily="34" charset="-120"/>
                 <a:ea typeface="Microsoft JhengHei" panose="020B0604030504040204" pitchFamily="34" charset="-120"/>
               </a:rPr>
               <a:t>將我心中事向主傾吐</a:t>
             </a:r>
-            <a:endParaRPr lang="en-US" altLang="zh-CN" sz="5400" b="1" dirty="0" smtClean="0">
-              <a:ea typeface="Microsoft JhengHei" panose="020B0604030504040204" pitchFamily="34" charset="-120"/>
-            </a:endParaRPr>
-          </a:p>
-          <a:p>
-            <a:pPr marL="0" indent="0" algn="ctr">
-              <a:buNone/>
-            </a:pPr>
-            <a:r>
-              <a:rPr lang="zh-CN" altLang="en-US" sz="5400" b="1" dirty="0">
-                <a:ea typeface="Microsoft JhengHei" panose="020B0604030504040204" pitchFamily="34" charset="-120"/>
-              </a:rPr>
-              <a:t>必告知耶穌  全告知耶穌</a:t>
-            </a:r>
-            <a:endParaRPr lang="en-US" altLang="zh-CN" sz="5400" b="1" dirty="0">
-              <a:ea typeface="Microsoft JhengHei" panose="020B0604030504040204" pitchFamily="34" charset="-120"/>
-            </a:endParaRPr>
-          </a:p>
-          <a:p>
-            <a:pPr marL="0" indent="0" algn="ctr">
-              <a:buNone/>
-            </a:pPr>
-            <a:r>
-              <a:rPr lang="zh-CN" altLang="en-US" sz="5400" b="1" dirty="0" smtClean="0">
-                <a:ea typeface="Microsoft JhengHei" panose="020B0604030504040204" pitchFamily="34" charset="-120"/>
-              </a:rPr>
-              <a:t>惟主知我心善於體恤</a:t>
-            </a:r>
-            <a:endParaRPr lang="vi-VN" sz="5400" b="1" dirty="0">
+            <a:endParaRPr lang="en-US" altLang="zh-CN" sz="6400" b="1" dirty="0">
+              <a:solidFill>
+                <a:srgbClr val="000066"/>
+              </a:solidFill>
+              <a:latin typeface="Microsoft JhengHei" panose="020B0604030504040204" pitchFamily="34" charset="-120"/>
               <a:ea typeface="Microsoft JhengHei" panose="020B0604030504040204" pitchFamily="34" charset="-120"/>
             </a:endParaRPr>
           </a:p>
@@ -4347,13 +5106,124 @@
     </p:spTree>
     <p:extLst>
       <p:ext uri="{BB962C8B-B14F-4D97-AF65-F5344CB8AC3E}">
-        <p14:creationId xmlns:p14="http://schemas.microsoft.com/office/powerpoint/2010/main" val="2014570370"/>
+        <p14:creationId xmlns:p14="http://schemas.microsoft.com/office/powerpoint/2010/main" val="609985117"/>
       </p:ext>
     </p:extLst>
   </p:cSld>
   <p:clrMapOvr>
     <a:masterClrMapping/>
   </p:clrMapOvr>
+  <p:timing>
+    <p:tnLst>
+      <p:par>
+        <p:cTn id="1" dur="indefinite" restart="never" nodeType="tmRoot"/>
+      </p:par>
+    </p:tnLst>
+  </p:timing>
+</p:sld>
+</file>
+
+<file path=ppt/slides/slide9.xml><?xml version="1.0" encoding="utf-8"?>
+<p:sld xmlns:a="http://schemas.openxmlformats.org/drawingml/2006/main" xmlns:r="http://schemas.openxmlformats.org/officeDocument/2006/relationships" xmlns:p="http://schemas.openxmlformats.org/presentationml/2006/main">
+  <p:cSld>
+    <p:spTree>
+      <p:nvGrpSpPr>
+        <p:cNvPr id="1" name=""/>
+        <p:cNvGrpSpPr/>
+        <p:nvPr/>
+      </p:nvGrpSpPr>
+      <p:grpSpPr>
+        <a:xfrm>
+          <a:off x="0" y="0"/>
+          <a:ext cx="0" cy="0"/>
+          <a:chOff x="0" y="0"/>
+          <a:chExt cx="0" cy="0"/>
+        </a:xfrm>
+      </p:grpSpPr>
+      <p:sp>
+        <p:nvSpPr>
+          <p:cNvPr id="5" name="內容版面配置區 4"/>
+          <p:cNvSpPr>
+            <a:spLocks noGrp="1"/>
+          </p:cNvSpPr>
+          <p:nvPr>
+            <p:ph idx="1"/>
+          </p:nvPr>
+        </p:nvSpPr>
+        <p:spPr>
+          <a:xfrm>
+            <a:off x="0" y="2084851"/>
+            <a:ext cx="12192000" cy="2404863"/>
+          </a:xfrm>
+        </p:spPr>
+        <p:txBody>
+          <a:bodyPr anchor="ctr">
+            <a:normAutofit/>
+          </a:bodyPr>
+          <a:lstStyle/>
+          <a:p>
+            <a:pPr marL="0" indent="0" algn="ctr">
+              <a:buNone/>
+            </a:pPr>
+            <a:r>
+              <a:rPr lang="zh-CN" altLang="en-US" sz="6400" b="1" dirty="0">
+                <a:solidFill>
+                  <a:srgbClr val="000066"/>
+                </a:solidFill>
+                <a:latin typeface="Microsoft JhengHei" panose="020B0604030504040204" pitchFamily="34" charset="-120"/>
+                <a:ea typeface="Microsoft JhengHei" panose="020B0604030504040204" pitchFamily="34" charset="-120"/>
+              </a:rPr>
+              <a:t>必告知耶穌  全告知耶穌</a:t>
+            </a:r>
+            <a:endParaRPr lang="en-US" altLang="zh-CN" sz="6400" b="1" dirty="0">
+              <a:solidFill>
+                <a:srgbClr val="000066"/>
+              </a:solidFill>
+              <a:latin typeface="Microsoft JhengHei" panose="020B0604030504040204" pitchFamily="34" charset="-120"/>
+              <a:ea typeface="Microsoft JhengHei" panose="020B0604030504040204" pitchFamily="34" charset="-120"/>
+            </a:endParaRPr>
+          </a:p>
+          <a:p>
+            <a:pPr marL="0" indent="0" algn="ctr">
+              <a:buNone/>
+            </a:pPr>
+            <a:r>
+              <a:rPr lang="zh-CN" altLang="en-US" sz="6400" b="1" dirty="0">
+                <a:solidFill>
+                  <a:srgbClr val="000066"/>
+                </a:solidFill>
+                <a:latin typeface="Microsoft JhengHei" panose="020B0604030504040204" pitchFamily="34" charset="-120"/>
+                <a:ea typeface="Microsoft JhengHei" panose="020B0604030504040204" pitchFamily="34" charset="-120"/>
+              </a:rPr>
+              <a:t>惟主知我心善於體恤</a:t>
+            </a:r>
+            <a:endParaRPr lang="vi-VN" sz="6400" b="1" dirty="0">
+              <a:solidFill>
+                <a:srgbClr val="000066"/>
+              </a:solidFill>
+              <a:latin typeface="Microsoft JhengHei" panose="020B0604030504040204" pitchFamily="34" charset="-120"/>
+              <a:ea typeface="Microsoft JhengHei" panose="020B0604030504040204" pitchFamily="34" charset="-120"/>
+            </a:endParaRPr>
+          </a:p>
+        </p:txBody>
+      </p:sp>
+    </p:spTree>
+    <p:extLst>
+      <p:ext uri="{BB962C8B-B14F-4D97-AF65-F5344CB8AC3E}">
+        <p14:creationId xmlns:p14="http://schemas.microsoft.com/office/powerpoint/2010/main" val="1332903155"/>
+      </p:ext>
+    </p:extLst>
+  </p:cSld>
+  <p:clrMapOvr>
+    <a:masterClrMapping/>
+  </p:clrMapOvr>
+  <p:timing>
+    <p:tnLst>
+      <p:par>
+        <p:cTn id="1" dur="indefinite" restart="never" nodeType="tmRoot"/>
+      </p:par>
+    </p:tnLst>
+  </p:timing>
 </p:sld>
 </file>
 

--- a/宣道詩/(宣道詩138)全告知耶穌.pptx
+++ b/宣道詩/(宣道詩138)全告知耶穌.pptx
@@ -309,7 +309,7 @@
           <a:p>
             <a:fld id="{3F2C6D9B-8CE1-4066-A051-C4E0F63D835E}" type="datetimeFigureOut">
               <a:rPr lang="vi-VN" smtClean="0"/>
-              <a:t>03/06/2021</a:t>
+              <a:t>26/02/2022</a:t>
             </a:fld>
             <a:endParaRPr lang="vi-VN"/>
           </a:p>
@@ -479,7 +479,7 @@
           <a:p>
             <a:fld id="{3F2C6D9B-8CE1-4066-A051-C4E0F63D835E}" type="datetimeFigureOut">
               <a:rPr lang="vi-VN" smtClean="0"/>
-              <a:t>03/06/2021</a:t>
+              <a:t>26/02/2022</a:t>
             </a:fld>
             <a:endParaRPr lang="vi-VN"/>
           </a:p>
@@ -659,7 +659,7 @@
           <a:p>
             <a:fld id="{3F2C6D9B-8CE1-4066-A051-C4E0F63D835E}" type="datetimeFigureOut">
               <a:rPr lang="vi-VN" smtClean="0"/>
-              <a:t>03/06/2021</a:t>
+              <a:t>26/02/2022</a:t>
             </a:fld>
             <a:endParaRPr lang="vi-VN"/>
           </a:p>
@@ -829,7 +829,7 @@
           <a:p>
             <a:fld id="{3F2C6D9B-8CE1-4066-A051-C4E0F63D835E}" type="datetimeFigureOut">
               <a:rPr lang="vi-VN" smtClean="0"/>
-              <a:t>03/06/2021</a:t>
+              <a:t>26/02/2022</a:t>
             </a:fld>
             <a:endParaRPr lang="vi-VN"/>
           </a:p>
@@ -1075,7 +1075,7 @@
           <a:p>
             <a:fld id="{3F2C6D9B-8CE1-4066-A051-C4E0F63D835E}" type="datetimeFigureOut">
               <a:rPr lang="vi-VN" smtClean="0"/>
-              <a:t>03/06/2021</a:t>
+              <a:t>26/02/2022</a:t>
             </a:fld>
             <a:endParaRPr lang="vi-VN"/>
           </a:p>
@@ -1363,7 +1363,7 @@
           <a:p>
             <a:fld id="{3F2C6D9B-8CE1-4066-A051-C4E0F63D835E}" type="datetimeFigureOut">
               <a:rPr lang="vi-VN" smtClean="0"/>
-              <a:t>03/06/2021</a:t>
+              <a:t>26/02/2022</a:t>
             </a:fld>
             <a:endParaRPr lang="vi-VN"/>
           </a:p>
@@ -1785,7 +1785,7 @@
           <a:p>
             <a:fld id="{3F2C6D9B-8CE1-4066-A051-C4E0F63D835E}" type="datetimeFigureOut">
               <a:rPr lang="vi-VN" smtClean="0"/>
-              <a:t>03/06/2021</a:t>
+              <a:t>26/02/2022</a:t>
             </a:fld>
             <a:endParaRPr lang="vi-VN"/>
           </a:p>
@@ -1903,7 +1903,7 @@
           <a:p>
             <a:fld id="{3F2C6D9B-8CE1-4066-A051-C4E0F63D835E}" type="datetimeFigureOut">
               <a:rPr lang="vi-VN" smtClean="0"/>
-              <a:t>03/06/2021</a:t>
+              <a:t>26/02/2022</a:t>
             </a:fld>
             <a:endParaRPr lang="vi-VN"/>
           </a:p>
@@ -1998,7 +1998,7 @@
           <a:p>
             <a:fld id="{3F2C6D9B-8CE1-4066-A051-C4E0F63D835E}" type="datetimeFigureOut">
               <a:rPr lang="vi-VN" smtClean="0"/>
-              <a:t>03/06/2021</a:t>
+              <a:t>26/02/2022</a:t>
             </a:fld>
             <a:endParaRPr lang="vi-VN"/>
           </a:p>
@@ -2275,7 +2275,7 @@
           <a:p>
             <a:fld id="{3F2C6D9B-8CE1-4066-A051-C4E0F63D835E}" type="datetimeFigureOut">
               <a:rPr lang="vi-VN" smtClean="0"/>
-              <a:t>03/06/2021</a:t>
+              <a:t>26/02/2022</a:t>
             </a:fld>
             <a:endParaRPr lang="vi-VN"/>
           </a:p>
@@ -2532,7 +2532,7 @@
           <a:p>
             <a:fld id="{3F2C6D9B-8CE1-4066-A051-C4E0F63D835E}" type="datetimeFigureOut">
               <a:rPr lang="vi-VN" smtClean="0"/>
-              <a:t>03/06/2021</a:t>
+              <a:t>26/02/2022</a:t>
             </a:fld>
             <a:endParaRPr lang="vi-VN"/>
           </a:p>
@@ -2750,7 +2750,7 @@
           <a:p>
             <a:fld id="{3F2C6D9B-8CE1-4066-A051-C4E0F63D835E}" type="datetimeFigureOut">
               <a:rPr lang="vi-VN" smtClean="0"/>
-              <a:t>03/06/2021</a:t>
+              <a:t>26/02/2022</a:t>
             </a:fld>
             <a:endParaRPr lang="vi-VN"/>
           </a:p>
@@ -3454,14 +3454,24 @@
               <a:buNone/>
             </a:pPr>
             <a:r>
-              <a:rPr lang="zh-CN" altLang="en-US" sz="6400" b="1" dirty="0">
+              <a:rPr lang="zh-CN" altLang="en-US" sz="6400" b="1" dirty="0" smtClean="0">
                 <a:solidFill>
                   <a:srgbClr val="000066"/>
                 </a:solidFill>
                 <a:latin typeface="Microsoft JhengHei" panose="020B0604030504040204" pitchFamily="34" charset="-120"/>
                 <a:ea typeface="Microsoft JhengHei" panose="020B0604030504040204" pitchFamily="34" charset="-120"/>
               </a:rPr>
-              <a:t>主會受試探  與我們無殊</a:t>
+              <a:t>主曾受</a:t>
+            </a:r>
+            <a:r>
+              <a:rPr lang="zh-CN" altLang="en-US" sz="6400" b="1" dirty="0">
+                <a:solidFill>
+                  <a:srgbClr val="000066"/>
+                </a:solidFill>
+                <a:latin typeface="Microsoft JhengHei" panose="020B0604030504040204" pitchFamily="34" charset="-120"/>
+                <a:ea typeface="Microsoft JhengHei" panose="020B0604030504040204" pitchFamily="34" charset="-120"/>
+              </a:rPr>
+              <a:t>試探  與我們無殊</a:t>
             </a:r>
             <a:endParaRPr lang="en-US" altLang="zh-CN" sz="6400" b="1" dirty="0">
               <a:solidFill>

--- a/宣道詩/(宣道詩138)全告知耶穌.pptx
+++ b/宣道詩/(宣道詩138)全告知耶穌.pptx
@@ -122,7 +122,7 @@
   </p:defaultTextStyle>
   <p:extLst>
     <p:ext uri="{EFAFB233-063F-42B5-8137-9DF3F51BA10A}">
-      <p15:sldGuideLst xmlns:p15="http://schemas.microsoft.com/office/powerpoint/2012/main"/>
+      <p15:sldGuideLst xmlns="" xmlns:p15="http://schemas.microsoft.com/office/powerpoint/2012/main"/>
     </p:ext>
   </p:extLst>
 </p:presentation>
@@ -309,7 +309,8 @@
           <a:p>
             <a:fld id="{3F2C6D9B-8CE1-4066-A051-C4E0F63D835E}" type="datetimeFigureOut">
               <a:rPr lang="vi-VN" smtClean="0"/>
-              <a:t>26/02/2022</a:t>
+              <a:pPr/>
+              <a:t>08/12/2022</a:t>
             </a:fld>
             <a:endParaRPr lang="vi-VN"/>
           </a:p>
@@ -351,6 +352,7 @@
           <a:p>
             <a:fld id="{EA54AD35-786D-456C-9167-75739E72744E}" type="slidenum">
               <a:rPr lang="vi-VN" smtClean="0"/>
+              <a:pPr/>
               <a:t>‹#›</a:t>
             </a:fld>
             <a:endParaRPr lang="vi-VN"/>
@@ -360,7 +362,7 @@
     </p:spTree>
     <p:extLst>
       <p:ext uri="{BB962C8B-B14F-4D97-AF65-F5344CB8AC3E}">
-        <p14:creationId xmlns:p14="http://schemas.microsoft.com/office/powerpoint/2010/main" val="1621036267"/>
+        <p14:creationId xmlns="" xmlns:p14="http://schemas.microsoft.com/office/powerpoint/2010/main" val="1621036267"/>
       </p:ext>
     </p:extLst>
   </p:cSld>
@@ -479,7 +481,8 @@
           <a:p>
             <a:fld id="{3F2C6D9B-8CE1-4066-A051-C4E0F63D835E}" type="datetimeFigureOut">
               <a:rPr lang="vi-VN" smtClean="0"/>
-              <a:t>26/02/2022</a:t>
+              <a:pPr/>
+              <a:t>08/12/2022</a:t>
             </a:fld>
             <a:endParaRPr lang="vi-VN"/>
           </a:p>
@@ -521,6 +524,7 @@
           <a:p>
             <a:fld id="{EA54AD35-786D-456C-9167-75739E72744E}" type="slidenum">
               <a:rPr lang="vi-VN" smtClean="0"/>
+              <a:pPr/>
               <a:t>‹#›</a:t>
             </a:fld>
             <a:endParaRPr lang="vi-VN"/>
@@ -530,7 +534,7 @@
     </p:spTree>
     <p:extLst>
       <p:ext uri="{BB962C8B-B14F-4D97-AF65-F5344CB8AC3E}">
-        <p14:creationId xmlns:p14="http://schemas.microsoft.com/office/powerpoint/2010/main" val="2068198638"/>
+        <p14:creationId xmlns="" xmlns:p14="http://schemas.microsoft.com/office/powerpoint/2010/main" val="2068198638"/>
       </p:ext>
     </p:extLst>
   </p:cSld>
@@ -659,7 +663,8 @@
           <a:p>
             <a:fld id="{3F2C6D9B-8CE1-4066-A051-C4E0F63D835E}" type="datetimeFigureOut">
               <a:rPr lang="vi-VN" smtClean="0"/>
-              <a:t>26/02/2022</a:t>
+              <a:pPr/>
+              <a:t>08/12/2022</a:t>
             </a:fld>
             <a:endParaRPr lang="vi-VN"/>
           </a:p>
@@ -701,6 +706,7 @@
           <a:p>
             <a:fld id="{EA54AD35-786D-456C-9167-75739E72744E}" type="slidenum">
               <a:rPr lang="vi-VN" smtClean="0"/>
+              <a:pPr/>
               <a:t>‹#›</a:t>
             </a:fld>
             <a:endParaRPr lang="vi-VN"/>
@@ -710,7 +716,7 @@
     </p:spTree>
     <p:extLst>
       <p:ext uri="{BB962C8B-B14F-4D97-AF65-F5344CB8AC3E}">
-        <p14:creationId xmlns:p14="http://schemas.microsoft.com/office/powerpoint/2010/main" val="3737284981"/>
+        <p14:creationId xmlns="" xmlns:p14="http://schemas.microsoft.com/office/powerpoint/2010/main" val="3737284981"/>
       </p:ext>
     </p:extLst>
   </p:cSld>
@@ -829,7 +835,8 @@
           <a:p>
             <a:fld id="{3F2C6D9B-8CE1-4066-A051-C4E0F63D835E}" type="datetimeFigureOut">
               <a:rPr lang="vi-VN" smtClean="0"/>
-              <a:t>26/02/2022</a:t>
+              <a:pPr/>
+              <a:t>08/12/2022</a:t>
             </a:fld>
             <a:endParaRPr lang="vi-VN"/>
           </a:p>
@@ -871,6 +878,7 @@
           <a:p>
             <a:fld id="{EA54AD35-786D-456C-9167-75739E72744E}" type="slidenum">
               <a:rPr lang="vi-VN" smtClean="0"/>
+              <a:pPr/>
               <a:t>‹#›</a:t>
             </a:fld>
             <a:endParaRPr lang="vi-VN"/>
@@ -880,7 +888,7 @@
     </p:spTree>
     <p:extLst>
       <p:ext uri="{BB962C8B-B14F-4D97-AF65-F5344CB8AC3E}">
-        <p14:creationId xmlns:p14="http://schemas.microsoft.com/office/powerpoint/2010/main" val="1499790127"/>
+        <p14:creationId xmlns="" xmlns:p14="http://schemas.microsoft.com/office/powerpoint/2010/main" val="1499790127"/>
       </p:ext>
     </p:extLst>
   </p:cSld>
@@ -1075,7 +1083,8 @@
           <a:p>
             <a:fld id="{3F2C6D9B-8CE1-4066-A051-C4E0F63D835E}" type="datetimeFigureOut">
               <a:rPr lang="vi-VN" smtClean="0"/>
-              <a:t>26/02/2022</a:t>
+              <a:pPr/>
+              <a:t>08/12/2022</a:t>
             </a:fld>
             <a:endParaRPr lang="vi-VN"/>
           </a:p>
@@ -1117,6 +1126,7 @@
           <a:p>
             <a:fld id="{EA54AD35-786D-456C-9167-75739E72744E}" type="slidenum">
               <a:rPr lang="vi-VN" smtClean="0"/>
+              <a:pPr/>
               <a:t>‹#›</a:t>
             </a:fld>
             <a:endParaRPr lang="vi-VN"/>
@@ -1126,7 +1136,7 @@
     </p:spTree>
     <p:extLst>
       <p:ext uri="{BB962C8B-B14F-4D97-AF65-F5344CB8AC3E}">
-        <p14:creationId xmlns:p14="http://schemas.microsoft.com/office/powerpoint/2010/main" val="857958680"/>
+        <p14:creationId xmlns="" xmlns:p14="http://schemas.microsoft.com/office/powerpoint/2010/main" val="857958680"/>
       </p:ext>
     </p:extLst>
   </p:cSld>
@@ -1363,7 +1373,8 @@
           <a:p>
             <a:fld id="{3F2C6D9B-8CE1-4066-A051-C4E0F63D835E}" type="datetimeFigureOut">
               <a:rPr lang="vi-VN" smtClean="0"/>
-              <a:t>26/02/2022</a:t>
+              <a:pPr/>
+              <a:t>08/12/2022</a:t>
             </a:fld>
             <a:endParaRPr lang="vi-VN"/>
           </a:p>
@@ -1405,6 +1416,7 @@
           <a:p>
             <a:fld id="{EA54AD35-786D-456C-9167-75739E72744E}" type="slidenum">
               <a:rPr lang="vi-VN" smtClean="0"/>
+              <a:pPr/>
               <a:t>‹#›</a:t>
             </a:fld>
             <a:endParaRPr lang="vi-VN"/>
@@ -1414,7 +1426,7 @@
     </p:spTree>
     <p:extLst>
       <p:ext uri="{BB962C8B-B14F-4D97-AF65-F5344CB8AC3E}">
-        <p14:creationId xmlns:p14="http://schemas.microsoft.com/office/powerpoint/2010/main" val="398883193"/>
+        <p14:creationId xmlns="" xmlns:p14="http://schemas.microsoft.com/office/powerpoint/2010/main" val="398883193"/>
       </p:ext>
     </p:extLst>
   </p:cSld>
@@ -1785,7 +1797,8 @@
           <a:p>
             <a:fld id="{3F2C6D9B-8CE1-4066-A051-C4E0F63D835E}" type="datetimeFigureOut">
               <a:rPr lang="vi-VN" smtClean="0"/>
-              <a:t>26/02/2022</a:t>
+              <a:pPr/>
+              <a:t>08/12/2022</a:t>
             </a:fld>
             <a:endParaRPr lang="vi-VN"/>
           </a:p>
@@ -1827,6 +1840,7 @@
           <a:p>
             <a:fld id="{EA54AD35-786D-456C-9167-75739E72744E}" type="slidenum">
               <a:rPr lang="vi-VN" smtClean="0"/>
+              <a:pPr/>
               <a:t>‹#›</a:t>
             </a:fld>
             <a:endParaRPr lang="vi-VN"/>
@@ -1836,7 +1850,7 @@
     </p:spTree>
     <p:extLst>
       <p:ext uri="{BB962C8B-B14F-4D97-AF65-F5344CB8AC3E}">
-        <p14:creationId xmlns:p14="http://schemas.microsoft.com/office/powerpoint/2010/main" val="109706588"/>
+        <p14:creationId xmlns="" xmlns:p14="http://schemas.microsoft.com/office/powerpoint/2010/main" val="109706588"/>
       </p:ext>
     </p:extLst>
   </p:cSld>
@@ -1903,7 +1917,8 @@
           <a:p>
             <a:fld id="{3F2C6D9B-8CE1-4066-A051-C4E0F63D835E}" type="datetimeFigureOut">
               <a:rPr lang="vi-VN" smtClean="0"/>
-              <a:t>26/02/2022</a:t>
+              <a:pPr/>
+              <a:t>08/12/2022</a:t>
             </a:fld>
             <a:endParaRPr lang="vi-VN"/>
           </a:p>
@@ -1945,6 +1960,7 @@
           <a:p>
             <a:fld id="{EA54AD35-786D-456C-9167-75739E72744E}" type="slidenum">
               <a:rPr lang="vi-VN" smtClean="0"/>
+              <a:pPr/>
               <a:t>‹#›</a:t>
             </a:fld>
             <a:endParaRPr lang="vi-VN"/>
@@ -1954,7 +1970,7 @@
     </p:spTree>
     <p:extLst>
       <p:ext uri="{BB962C8B-B14F-4D97-AF65-F5344CB8AC3E}">
-        <p14:creationId xmlns:p14="http://schemas.microsoft.com/office/powerpoint/2010/main" val="2343813325"/>
+        <p14:creationId xmlns="" xmlns:p14="http://schemas.microsoft.com/office/powerpoint/2010/main" val="2343813325"/>
       </p:ext>
     </p:extLst>
   </p:cSld>
@@ -1998,7 +2014,8 @@
           <a:p>
             <a:fld id="{3F2C6D9B-8CE1-4066-A051-C4E0F63D835E}" type="datetimeFigureOut">
               <a:rPr lang="vi-VN" smtClean="0"/>
-              <a:t>26/02/2022</a:t>
+              <a:pPr/>
+              <a:t>08/12/2022</a:t>
             </a:fld>
             <a:endParaRPr lang="vi-VN"/>
           </a:p>
@@ -2040,6 +2057,7 @@
           <a:p>
             <a:fld id="{EA54AD35-786D-456C-9167-75739E72744E}" type="slidenum">
               <a:rPr lang="vi-VN" smtClean="0"/>
+              <a:pPr/>
               <a:t>‹#›</a:t>
             </a:fld>
             <a:endParaRPr lang="vi-VN"/>
@@ -2049,7 +2067,7 @@
     </p:spTree>
     <p:extLst>
       <p:ext uri="{BB962C8B-B14F-4D97-AF65-F5344CB8AC3E}">
-        <p14:creationId xmlns:p14="http://schemas.microsoft.com/office/powerpoint/2010/main" val="2350996812"/>
+        <p14:creationId xmlns="" xmlns:p14="http://schemas.microsoft.com/office/powerpoint/2010/main" val="2350996812"/>
       </p:ext>
     </p:extLst>
   </p:cSld>
@@ -2275,7 +2293,8 @@
           <a:p>
             <a:fld id="{3F2C6D9B-8CE1-4066-A051-C4E0F63D835E}" type="datetimeFigureOut">
               <a:rPr lang="vi-VN" smtClean="0"/>
-              <a:t>26/02/2022</a:t>
+              <a:pPr/>
+              <a:t>08/12/2022</a:t>
             </a:fld>
             <a:endParaRPr lang="vi-VN"/>
           </a:p>
@@ -2317,6 +2336,7 @@
           <a:p>
             <a:fld id="{EA54AD35-786D-456C-9167-75739E72744E}" type="slidenum">
               <a:rPr lang="vi-VN" smtClean="0"/>
+              <a:pPr/>
               <a:t>‹#›</a:t>
             </a:fld>
             <a:endParaRPr lang="vi-VN"/>
@@ -2326,7 +2346,7 @@
     </p:spTree>
     <p:extLst>
       <p:ext uri="{BB962C8B-B14F-4D97-AF65-F5344CB8AC3E}">
-        <p14:creationId xmlns:p14="http://schemas.microsoft.com/office/powerpoint/2010/main" val="4020908913"/>
+        <p14:creationId xmlns="" xmlns:p14="http://schemas.microsoft.com/office/powerpoint/2010/main" val="4020908913"/>
       </p:ext>
     </p:extLst>
   </p:cSld>
@@ -2532,7 +2552,8 @@
           <a:p>
             <a:fld id="{3F2C6D9B-8CE1-4066-A051-C4E0F63D835E}" type="datetimeFigureOut">
               <a:rPr lang="vi-VN" smtClean="0"/>
-              <a:t>26/02/2022</a:t>
+              <a:pPr/>
+              <a:t>08/12/2022</a:t>
             </a:fld>
             <a:endParaRPr lang="vi-VN"/>
           </a:p>
@@ -2574,6 +2595,7 @@
           <a:p>
             <a:fld id="{EA54AD35-786D-456C-9167-75739E72744E}" type="slidenum">
               <a:rPr lang="vi-VN" smtClean="0"/>
+              <a:pPr/>
               <a:t>‹#›</a:t>
             </a:fld>
             <a:endParaRPr lang="vi-VN"/>
@@ -2583,7 +2605,7 @@
     </p:spTree>
     <p:extLst>
       <p:ext uri="{BB962C8B-B14F-4D97-AF65-F5344CB8AC3E}">
-        <p14:creationId xmlns:p14="http://schemas.microsoft.com/office/powerpoint/2010/main" val="3326449524"/>
+        <p14:creationId xmlns="" xmlns:p14="http://schemas.microsoft.com/office/powerpoint/2010/main" val="3326449524"/>
       </p:ext>
     </p:extLst>
   </p:cSld>
@@ -2750,7 +2772,8 @@
           <a:p>
             <a:fld id="{3F2C6D9B-8CE1-4066-A051-C4E0F63D835E}" type="datetimeFigureOut">
               <a:rPr lang="vi-VN" smtClean="0"/>
-              <a:t>26/02/2022</a:t>
+              <a:pPr/>
+              <a:t>08/12/2022</a:t>
             </a:fld>
             <a:endParaRPr lang="vi-VN"/>
           </a:p>
@@ -2828,6 +2851,7 @@
           <a:p>
             <a:fld id="{EA54AD35-786D-456C-9167-75739E72744E}" type="slidenum">
               <a:rPr lang="vi-VN" smtClean="0"/>
+              <a:pPr/>
               <a:t>‹#›</a:t>
             </a:fld>
             <a:endParaRPr lang="vi-VN"/>
@@ -2837,7 +2861,7 @@
     </p:spTree>
     <p:extLst>
       <p:ext uri="{BB962C8B-B14F-4D97-AF65-F5344CB8AC3E}">
-        <p14:creationId xmlns:p14="http://schemas.microsoft.com/office/powerpoint/2010/main" val="1537450450"/>
+        <p14:creationId xmlns="" xmlns:p14="http://schemas.microsoft.com/office/powerpoint/2010/main" val="1537450450"/>
       </p:ext>
     </p:extLst>
   </p:cSld>
@@ -3251,7 +3275,7 @@
     </p:spTree>
     <p:extLst>
       <p:ext uri="{BB962C8B-B14F-4D97-AF65-F5344CB8AC3E}">
-        <p14:creationId xmlns:p14="http://schemas.microsoft.com/office/powerpoint/2010/main" val="1552955768"/>
+        <p14:creationId xmlns="" xmlns:p14="http://schemas.microsoft.com/office/powerpoint/2010/main" val="1552955768"/>
       </p:ext>
     </p:extLst>
   </p:cSld>
@@ -3394,7 +3418,7 @@
     </p:spTree>
     <p:extLst>
       <p:ext uri="{BB962C8B-B14F-4D97-AF65-F5344CB8AC3E}">
-        <p14:creationId xmlns:p14="http://schemas.microsoft.com/office/powerpoint/2010/main" val="3772975328"/>
+        <p14:creationId xmlns="" xmlns:p14="http://schemas.microsoft.com/office/powerpoint/2010/main" val="3772975328"/>
       </p:ext>
     </p:extLst>
   </p:cSld>
@@ -3547,7 +3571,7 @@
     </p:spTree>
     <p:extLst>
       <p:ext uri="{BB962C8B-B14F-4D97-AF65-F5344CB8AC3E}">
-        <p14:creationId xmlns:p14="http://schemas.microsoft.com/office/powerpoint/2010/main" val="1966579155"/>
+        <p14:creationId xmlns="" xmlns:p14="http://schemas.microsoft.com/office/powerpoint/2010/main" val="1966579155"/>
       </p:ext>
     </p:extLst>
   </p:cSld>
@@ -3647,7 +3671,7 @@
     </p:spTree>
     <p:extLst>
       <p:ext uri="{BB962C8B-B14F-4D97-AF65-F5344CB8AC3E}">
-        <p14:creationId xmlns:p14="http://schemas.microsoft.com/office/powerpoint/2010/main" val="396892036"/>
+        <p14:creationId xmlns="" xmlns:p14="http://schemas.microsoft.com/office/powerpoint/2010/main" val="396892036"/>
       </p:ext>
     </p:extLst>
   </p:cSld>
@@ -3747,7 +3771,7 @@
     </p:spTree>
     <p:extLst>
       <p:ext uri="{BB962C8B-B14F-4D97-AF65-F5344CB8AC3E}">
-        <p14:creationId xmlns:p14="http://schemas.microsoft.com/office/powerpoint/2010/main" val="459364010"/>
+        <p14:creationId xmlns="" xmlns:p14="http://schemas.microsoft.com/office/powerpoint/2010/main" val="459364010"/>
       </p:ext>
     </p:extLst>
   </p:cSld>
@@ -3890,7 +3914,7 @@
     </p:spTree>
     <p:extLst>
       <p:ext uri="{BB962C8B-B14F-4D97-AF65-F5344CB8AC3E}">
-        <p14:creationId xmlns:p14="http://schemas.microsoft.com/office/powerpoint/2010/main" val="664523566"/>
+        <p14:creationId xmlns="" xmlns:p14="http://schemas.microsoft.com/office/powerpoint/2010/main" val="664523566"/>
       </p:ext>
     </p:extLst>
   </p:cSld>
@@ -4032,7 +4056,7 @@
     </p:spTree>
     <p:extLst>
       <p:ext uri="{BB962C8B-B14F-4D97-AF65-F5344CB8AC3E}">
-        <p14:creationId xmlns:p14="http://schemas.microsoft.com/office/powerpoint/2010/main" val="1141748893"/>
+        <p14:creationId xmlns="" xmlns:p14="http://schemas.microsoft.com/office/powerpoint/2010/main" val="1141748893"/>
       </p:ext>
     </p:extLst>
   </p:cSld>
@@ -4132,7 +4156,7 @@
     </p:spTree>
     <p:extLst>
       <p:ext uri="{BB962C8B-B14F-4D97-AF65-F5344CB8AC3E}">
-        <p14:creationId xmlns:p14="http://schemas.microsoft.com/office/powerpoint/2010/main" val="3676173359"/>
+        <p14:creationId xmlns="" xmlns:p14="http://schemas.microsoft.com/office/powerpoint/2010/main" val="3676173359"/>
       </p:ext>
     </p:extLst>
   </p:cSld>
@@ -4232,7 +4256,7 @@
     </p:spTree>
     <p:extLst>
       <p:ext uri="{BB962C8B-B14F-4D97-AF65-F5344CB8AC3E}">
-        <p14:creationId xmlns:p14="http://schemas.microsoft.com/office/powerpoint/2010/main" val="1314084251"/>
+        <p14:creationId xmlns="" xmlns:p14="http://schemas.microsoft.com/office/powerpoint/2010/main" val="1314084251"/>
       </p:ext>
     </p:extLst>
   </p:cSld>
@@ -4375,7 +4399,7 @@
     </p:spTree>
     <p:extLst>
       <p:ext uri="{BB962C8B-B14F-4D97-AF65-F5344CB8AC3E}">
-        <p14:creationId xmlns:p14="http://schemas.microsoft.com/office/powerpoint/2010/main" val="1588327362"/>
+        <p14:creationId xmlns="" xmlns:p14="http://schemas.microsoft.com/office/powerpoint/2010/main" val="1588327362"/>
       </p:ext>
     </p:extLst>
   </p:cSld>
@@ -4518,7 +4542,7 @@
     </p:spTree>
     <p:extLst>
       <p:ext uri="{BB962C8B-B14F-4D97-AF65-F5344CB8AC3E}">
-        <p14:creationId xmlns:p14="http://schemas.microsoft.com/office/powerpoint/2010/main" val="2958117696"/>
+        <p14:creationId xmlns="" xmlns:p14="http://schemas.microsoft.com/office/powerpoint/2010/main" val="2958117696"/>
       </p:ext>
     </p:extLst>
   </p:cSld>
@@ -4622,7 +4646,7 @@
     </p:spTree>
     <p:extLst>
       <p:ext uri="{BB962C8B-B14F-4D97-AF65-F5344CB8AC3E}">
-        <p14:creationId xmlns:p14="http://schemas.microsoft.com/office/powerpoint/2010/main" val="2999927471"/>
+        <p14:creationId xmlns="" xmlns:p14="http://schemas.microsoft.com/office/powerpoint/2010/main" val="2999927471"/>
       </p:ext>
     </p:extLst>
   </p:cSld>
@@ -4726,7 +4750,7 @@
     </p:spTree>
     <p:extLst>
       <p:ext uri="{BB962C8B-B14F-4D97-AF65-F5344CB8AC3E}">
-        <p14:creationId xmlns:p14="http://schemas.microsoft.com/office/powerpoint/2010/main" val="2751514151"/>
+        <p14:creationId xmlns="" xmlns:p14="http://schemas.microsoft.com/office/powerpoint/2010/main" val="2751514151"/>
       </p:ext>
     </p:extLst>
   </p:cSld>
@@ -4869,7 +4893,7 @@
     </p:spTree>
     <p:extLst>
       <p:ext uri="{BB962C8B-B14F-4D97-AF65-F5344CB8AC3E}">
-        <p14:creationId xmlns:p14="http://schemas.microsoft.com/office/powerpoint/2010/main" val="1607312750"/>
+        <p14:creationId xmlns="" xmlns:p14="http://schemas.microsoft.com/office/powerpoint/2010/main" val="1607312750"/>
       </p:ext>
     </p:extLst>
   </p:cSld>
@@ -5012,7 +5036,7 @@
     </p:spTree>
     <p:extLst>
       <p:ext uri="{BB962C8B-B14F-4D97-AF65-F5344CB8AC3E}">
-        <p14:creationId xmlns:p14="http://schemas.microsoft.com/office/powerpoint/2010/main" val="3807481253"/>
+        <p14:creationId xmlns="" xmlns:p14="http://schemas.microsoft.com/office/powerpoint/2010/main" val="3807481253"/>
       </p:ext>
     </p:extLst>
   </p:cSld>
@@ -5116,7 +5140,7 @@
     </p:spTree>
     <p:extLst>
       <p:ext uri="{BB962C8B-B14F-4D97-AF65-F5344CB8AC3E}">
-        <p14:creationId xmlns:p14="http://schemas.microsoft.com/office/powerpoint/2010/main" val="609985117"/>
+        <p14:creationId xmlns="" xmlns:p14="http://schemas.microsoft.com/office/powerpoint/2010/main" val="609985117"/>
       </p:ext>
     </p:extLst>
   </p:cSld>
@@ -5220,7 +5244,7 @@
     </p:spTree>
     <p:extLst>
       <p:ext uri="{BB962C8B-B14F-4D97-AF65-F5344CB8AC3E}">
-        <p14:creationId xmlns:p14="http://schemas.microsoft.com/office/powerpoint/2010/main" val="1332903155"/>
+        <p14:creationId xmlns="" xmlns:p14="http://schemas.microsoft.com/office/powerpoint/2010/main" val="1332903155"/>
       </p:ext>
     </p:extLst>
   </p:cSld>
@@ -5519,7 +5543,7 @@
   <a:extraClrSchemeLst/>
   <a:extLst>
     <a:ext uri="{05A4C25C-085E-4340-85A3-A5531E510DB2}">
-      <thm15:themeFamily xmlns:thm15="http://schemas.microsoft.com/office/thememl/2012/main" name="Theme1" id="{AFC7C034-021A-479F-A5B0-F4AE2AC2A6F8}" vid="{E4B01A5C-7C0B-4AB8-8973-047186F18E30}"/>
+      <thm15:themeFamily xmlns="" xmlns:thm15="http://schemas.microsoft.com/office/thememl/2012/main" name="Theme1" id="{AFC7C034-021A-479F-A5B0-F4AE2AC2A6F8}" vid="{E4B01A5C-7C0B-4AB8-8973-047186F18E30}"/>
     </a:ext>
   </a:extLst>
 </a:theme>
